--- a/INFM600_0201_Fabulous_Presentation/INFM600_0201_Fabulous_Projet_Presentation.pptx
+++ b/INFM600_0201_Fabulous_Presentation/INFM600_0201_Fabulous_Projet_Presentation.pptx
@@ -4,6 +4,9 @@
   <p:sldMasterIdLst>
     <p:sldMasterId id="2147483648" r:id="rId1"/>
   </p:sldMasterIdLst>
+  <p:notesMasterIdLst>
+    <p:notesMasterId r:id="rId18"/>
+  </p:notesMasterIdLst>
   <p:sldIdLst>
     <p:sldId id="256" r:id="rId2"/>
     <p:sldId id="257" r:id="rId3"/>
@@ -18,8 +21,9 @@
     <p:sldId id="267" r:id="rId12"/>
     <p:sldId id="265" r:id="rId13"/>
     <p:sldId id="268" r:id="rId14"/>
-    <p:sldId id="269" r:id="rId15"/>
-    <p:sldId id="270" r:id="rId16"/>
+    <p:sldId id="271" r:id="rId15"/>
+    <p:sldId id="269" r:id="rId16"/>
+    <p:sldId id="270" r:id="rId17"/>
   </p:sldIdLst>
   <p:sldSz cx="12192000" cy="6858000"/>
   <p:notesSz cx="6858000" cy="9144000"/>
@@ -126,6 +130,528 @@
 </p:presentation>
 </file>
 
+<file path=ppt/notesMasters/notesMaster1.xml><?xml version="1.0" encoding="utf-8"?>
+<p:notesMaster xmlns:a="http://schemas.openxmlformats.org/drawingml/2006/main" xmlns:r="http://schemas.openxmlformats.org/officeDocument/2006/relationships" xmlns:p="http://schemas.openxmlformats.org/presentationml/2006/main">
+  <p:cSld>
+    <p:bg>
+      <p:bgRef idx="1001">
+        <a:schemeClr val="bg1"/>
+      </p:bgRef>
+    </p:bg>
+    <p:spTree>
+      <p:nvGrpSpPr>
+        <p:cNvPr id="1" name=""/>
+        <p:cNvGrpSpPr/>
+        <p:nvPr/>
+      </p:nvGrpSpPr>
+      <p:grpSpPr>
+        <a:xfrm>
+          <a:off x="0" y="0"/>
+          <a:ext cx="0" cy="0"/>
+          <a:chOff x="0" y="0"/>
+          <a:chExt cx="0" cy="0"/>
+        </a:xfrm>
+      </p:grpSpPr>
+      <p:sp>
+        <p:nvSpPr>
+          <p:cNvPr id="2" name="页眉占位符 1"/>
+          <p:cNvSpPr>
+            <a:spLocks noGrp="1"/>
+          </p:cNvSpPr>
+          <p:nvPr>
+            <p:ph type="hdr" sz="quarter"/>
+          </p:nvPr>
+        </p:nvSpPr>
+        <p:spPr>
+          <a:xfrm>
+            <a:off x="0" y="0"/>
+            <a:ext cx="2971800" cy="458788"/>
+          </a:xfrm>
+          <a:prstGeom prst="rect">
+            <a:avLst/>
+          </a:prstGeom>
+        </p:spPr>
+        <p:txBody>
+          <a:bodyPr vert="horz" lIns="91440" tIns="45720" rIns="91440" bIns="45720" rtlCol="0"/>
+          <a:lstStyle>
+            <a:lvl1pPr algn="l">
+              <a:defRPr sz="1200"/>
+            </a:lvl1pPr>
+          </a:lstStyle>
+          <a:p>
+            <a:endParaRPr lang="en-US"/>
+          </a:p>
+        </p:txBody>
+      </p:sp>
+      <p:sp>
+        <p:nvSpPr>
+          <p:cNvPr id="3" name="日期占位符 2"/>
+          <p:cNvSpPr>
+            <a:spLocks noGrp="1"/>
+          </p:cNvSpPr>
+          <p:nvPr>
+            <p:ph type="dt" idx="1"/>
+          </p:nvPr>
+        </p:nvSpPr>
+        <p:spPr>
+          <a:xfrm>
+            <a:off x="3884613" y="0"/>
+            <a:ext cx="2971800" cy="458788"/>
+          </a:xfrm>
+          <a:prstGeom prst="rect">
+            <a:avLst/>
+          </a:prstGeom>
+        </p:spPr>
+        <p:txBody>
+          <a:bodyPr vert="horz" lIns="91440" tIns="45720" rIns="91440" bIns="45720" rtlCol="0"/>
+          <a:lstStyle>
+            <a:lvl1pPr algn="r">
+              <a:defRPr sz="1200"/>
+            </a:lvl1pPr>
+          </a:lstStyle>
+          <a:p>
+            <a:fld id="{8173E0C9-A32C-4D20-9653-14307572A536}" type="datetimeFigureOut">
+              <a:rPr lang="en-US" smtClean="0"/>
+              <a:t>12/11/2016</a:t>
+            </a:fld>
+            <a:endParaRPr lang="en-US"/>
+          </a:p>
+        </p:txBody>
+      </p:sp>
+      <p:sp>
+        <p:nvSpPr>
+          <p:cNvPr id="4" name="幻灯片图像占位符 3"/>
+          <p:cNvSpPr>
+            <a:spLocks noGrp="1" noRot="1" noChangeAspect="1"/>
+          </p:cNvSpPr>
+          <p:nvPr>
+            <p:ph type="sldImg" idx="2"/>
+          </p:nvPr>
+        </p:nvSpPr>
+        <p:spPr>
+          <a:xfrm>
+            <a:off x="685800" y="1143000"/>
+            <a:ext cx="5486400" cy="3086100"/>
+          </a:xfrm>
+          <a:prstGeom prst="rect">
+            <a:avLst/>
+          </a:prstGeom>
+          <a:noFill/>
+          <a:ln w="12700">
+            <a:solidFill>
+              <a:prstClr val="black"/>
+            </a:solidFill>
+          </a:ln>
+        </p:spPr>
+        <p:txBody>
+          <a:bodyPr vert="horz" lIns="91440" tIns="45720" rIns="91440" bIns="45720" rtlCol="0" anchor="ctr"/>
+          <a:lstStyle/>
+          <a:p>
+            <a:endParaRPr lang="en-US"/>
+          </a:p>
+        </p:txBody>
+      </p:sp>
+      <p:sp>
+        <p:nvSpPr>
+          <p:cNvPr id="5" name="备注占位符 4"/>
+          <p:cNvSpPr>
+            <a:spLocks noGrp="1"/>
+          </p:cNvSpPr>
+          <p:nvPr>
+            <p:ph type="body" sz="quarter" idx="3"/>
+          </p:nvPr>
+        </p:nvSpPr>
+        <p:spPr>
+          <a:xfrm>
+            <a:off x="685800" y="4400550"/>
+            <a:ext cx="5486400" cy="3600450"/>
+          </a:xfrm>
+          <a:prstGeom prst="rect">
+            <a:avLst/>
+          </a:prstGeom>
+        </p:spPr>
+        <p:txBody>
+          <a:bodyPr vert="horz" lIns="91440" tIns="45720" rIns="91440" bIns="45720" rtlCol="0"/>
+          <a:lstStyle/>
+          <a:p>
+            <a:pPr lvl="0"/>
+            <a:r>
+              <a:rPr lang="zh-CN" altLang="en-US" smtClean="0"/>
+              <a:t>单击此处编辑母版文本样式</a:t>
+            </a:r>
+          </a:p>
+          <a:p>
+            <a:pPr lvl="1"/>
+            <a:r>
+              <a:rPr lang="zh-CN" altLang="en-US" smtClean="0"/>
+              <a:t>第二级</a:t>
+            </a:r>
+          </a:p>
+          <a:p>
+            <a:pPr lvl="2"/>
+            <a:r>
+              <a:rPr lang="zh-CN" altLang="en-US" smtClean="0"/>
+              <a:t>第三级</a:t>
+            </a:r>
+          </a:p>
+          <a:p>
+            <a:pPr lvl="3"/>
+            <a:r>
+              <a:rPr lang="zh-CN" altLang="en-US" smtClean="0"/>
+              <a:t>第四级</a:t>
+            </a:r>
+          </a:p>
+          <a:p>
+            <a:pPr lvl="4"/>
+            <a:r>
+              <a:rPr lang="zh-CN" altLang="en-US" smtClean="0"/>
+              <a:t>第五级</a:t>
+            </a:r>
+            <a:endParaRPr lang="en-US"/>
+          </a:p>
+        </p:txBody>
+      </p:sp>
+      <p:sp>
+        <p:nvSpPr>
+          <p:cNvPr id="6" name="页脚占位符 5"/>
+          <p:cNvSpPr>
+            <a:spLocks noGrp="1"/>
+          </p:cNvSpPr>
+          <p:nvPr>
+            <p:ph type="ftr" sz="quarter" idx="4"/>
+          </p:nvPr>
+        </p:nvSpPr>
+        <p:spPr>
+          <a:xfrm>
+            <a:off x="0" y="8685213"/>
+            <a:ext cx="2971800" cy="458787"/>
+          </a:xfrm>
+          <a:prstGeom prst="rect">
+            <a:avLst/>
+          </a:prstGeom>
+        </p:spPr>
+        <p:txBody>
+          <a:bodyPr vert="horz" lIns="91440" tIns="45720" rIns="91440" bIns="45720" rtlCol="0" anchor="b"/>
+          <a:lstStyle>
+            <a:lvl1pPr algn="l">
+              <a:defRPr sz="1200"/>
+            </a:lvl1pPr>
+          </a:lstStyle>
+          <a:p>
+            <a:endParaRPr lang="en-US"/>
+          </a:p>
+        </p:txBody>
+      </p:sp>
+      <p:sp>
+        <p:nvSpPr>
+          <p:cNvPr id="7" name="灯片编号占位符 6"/>
+          <p:cNvSpPr>
+            <a:spLocks noGrp="1"/>
+          </p:cNvSpPr>
+          <p:nvPr>
+            <p:ph type="sldNum" sz="quarter" idx="5"/>
+          </p:nvPr>
+        </p:nvSpPr>
+        <p:spPr>
+          <a:xfrm>
+            <a:off x="3884613" y="8685213"/>
+            <a:ext cx="2971800" cy="458787"/>
+          </a:xfrm>
+          <a:prstGeom prst="rect">
+            <a:avLst/>
+          </a:prstGeom>
+        </p:spPr>
+        <p:txBody>
+          <a:bodyPr vert="horz" lIns="91440" tIns="45720" rIns="91440" bIns="45720" rtlCol="0" anchor="b"/>
+          <a:lstStyle>
+            <a:lvl1pPr algn="r">
+              <a:defRPr sz="1200"/>
+            </a:lvl1pPr>
+          </a:lstStyle>
+          <a:p>
+            <a:fld id="{1D96A6EA-319A-4C53-B37E-EA07B05FF524}" type="slidenum">
+              <a:rPr lang="en-US" smtClean="0"/>
+              <a:t>‹#›</a:t>
+            </a:fld>
+            <a:endParaRPr lang="en-US"/>
+          </a:p>
+        </p:txBody>
+      </p:sp>
+    </p:spTree>
+    <p:extLst>
+      <p:ext uri="{BB962C8B-B14F-4D97-AF65-F5344CB8AC3E}">
+        <p14:creationId xmlns:p14="http://schemas.microsoft.com/office/powerpoint/2010/main" val="1686802938"/>
+      </p:ext>
+    </p:extLst>
+  </p:cSld>
+  <p:clrMap bg1="lt1" tx1="dk1" bg2="lt2" tx2="dk2" accent1="accent1" accent2="accent2" accent3="accent3" accent4="accent4" accent5="accent5" accent6="accent6" hlink="hlink" folHlink="folHlink"/>
+  <p:notesStyle>
+    <a:lvl1pPr marL="0" algn="l" defTabSz="914400" rtl="0" eaLnBrk="1" latinLnBrk="0" hangingPunct="1">
+      <a:defRPr sz="1200" kern="1200">
+        <a:solidFill>
+          <a:schemeClr val="tx1"/>
+        </a:solidFill>
+        <a:latin typeface="+mn-lt"/>
+        <a:ea typeface="+mn-ea"/>
+        <a:cs typeface="+mn-cs"/>
+      </a:defRPr>
+    </a:lvl1pPr>
+    <a:lvl2pPr marL="457200" algn="l" defTabSz="914400" rtl="0" eaLnBrk="1" latinLnBrk="0" hangingPunct="1">
+      <a:defRPr sz="1200" kern="1200">
+        <a:solidFill>
+          <a:schemeClr val="tx1"/>
+        </a:solidFill>
+        <a:latin typeface="+mn-lt"/>
+        <a:ea typeface="+mn-ea"/>
+        <a:cs typeface="+mn-cs"/>
+      </a:defRPr>
+    </a:lvl2pPr>
+    <a:lvl3pPr marL="914400" algn="l" defTabSz="914400" rtl="0" eaLnBrk="1" latinLnBrk="0" hangingPunct="1">
+      <a:defRPr sz="1200" kern="1200">
+        <a:solidFill>
+          <a:schemeClr val="tx1"/>
+        </a:solidFill>
+        <a:latin typeface="+mn-lt"/>
+        <a:ea typeface="+mn-ea"/>
+        <a:cs typeface="+mn-cs"/>
+      </a:defRPr>
+    </a:lvl3pPr>
+    <a:lvl4pPr marL="1371600" algn="l" defTabSz="914400" rtl="0" eaLnBrk="1" latinLnBrk="0" hangingPunct="1">
+      <a:defRPr sz="1200" kern="1200">
+        <a:solidFill>
+          <a:schemeClr val="tx1"/>
+        </a:solidFill>
+        <a:latin typeface="+mn-lt"/>
+        <a:ea typeface="+mn-ea"/>
+        <a:cs typeface="+mn-cs"/>
+      </a:defRPr>
+    </a:lvl4pPr>
+    <a:lvl5pPr marL="1828800" algn="l" defTabSz="914400" rtl="0" eaLnBrk="1" latinLnBrk="0" hangingPunct="1">
+      <a:defRPr sz="1200" kern="1200">
+        <a:solidFill>
+          <a:schemeClr val="tx1"/>
+        </a:solidFill>
+        <a:latin typeface="+mn-lt"/>
+        <a:ea typeface="+mn-ea"/>
+        <a:cs typeface="+mn-cs"/>
+      </a:defRPr>
+    </a:lvl5pPr>
+    <a:lvl6pPr marL="2286000" algn="l" defTabSz="914400" rtl="0" eaLnBrk="1" latinLnBrk="0" hangingPunct="1">
+      <a:defRPr sz="1200" kern="1200">
+        <a:solidFill>
+          <a:schemeClr val="tx1"/>
+        </a:solidFill>
+        <a:latin typeface="+mn-lt"/>
+        <a:ea typeface="+mn-ea"/>
+        <a:cs typeface="+mn-cs"/>
+      </a:defRPr>
+    </a:lvl6pPr>
+    <a:lvl7pPr marL="2743200" algn="l" defTabSz="914400" rtl="0" eaLnBrk="1" latinLnBrk="0" hangingPunct="1">
+      <a:defRPr sz="1200" kern="1200">
+        <a:solidFill>
+          <a:schemeClr val="tx1"/>
+        </a:solidFill>
+        <a:latin typeface="+mn-lt"/>
+        <a:ea typeface="+mn-ea"/>
+        <a:cs typeface="+mn-cs"/>
+      </a:defRPr>
+    </a:lvl7pPr>
+    <a:lvl8pPr marL="3200400" algn="l" defTabSz="914400" rtl="0" eaLnBrk="1" latinLnBrk="0" hangingPunct="1">
+      <a:defRPr sz="1200" kern="1200">
+        <a:solidFill>
+          <a:schemeClr val="tx1"/>
+        </a:solidFill>
+        <a:latin typeface="+mn-lt"/>
+        <a:ea typeface="+mn-ea"/>
+        <a:cs typeface="+mn-cs"/>
+      </a:defRPr>
+    </a:lvl8pPr>
+    <a:lvl9pPr marL="3657600" algn="l" defTabSz="914400" rtl="0" eaLnBrk="1" latinLnBrk="0" hangingPunct="1">
+      <a:defRPr sz="1200" kern="1200">
+        <a:solidFill>
+          <a:schemeClr val="tx1"/>
+        </a:solidFill>
+        <a:latin typeface="+mn-lt"/>
+        <a:ea typeface="+mn-ea"/>
+        <a:cs typeface="+mn-cs"/>
+      </a:defRPr>
+    </a:lvl9pPr>
+  </p:notesStyle>
+</p:notesMaster>
+</file>
+
+<file path=ppt/notesSlides/notesSlide1.xml><?xml version="1.0" encoding="utf-8"?>
+<p:notes xmlns:a="http://schemas.openxmlformats.org/drawingml/2006/main" xmlns:r="http://schemas.openxmlformats.org/officeDocument/2006/relationships" xmlns:p="http://schemas.openxmlformats.org/presentationml/2006/main">
+  <p:cSld>
+    <p:spTree>
+      <p:nvGrpSpPr>
+        <p:cNvPr id="1" name=""/>
+        <p:cNvGrpSpPr/>
+        <p:nvPr/>
+      </p:nvGrpSpPr>
+      <p:grpSpPr>
+        <a:xfrm>
+          <a:off x="0" y="0"/>
+          <a:ext cx="0" cy="0"/>
+          <a:chOff x="0" y="0"/>
+          <a:chExt cx="0" cy="0"/>
+        </a:xfrm>
+      </p:grpSpPr>
+      <p:sp>
+        <p:nvSpPr>
+          <p:cNvPr id="2" name="幻灯片图像占位符 1"/>
+          <p:cNvSpPr>
+            <a:spLocks noGrp="1" noRot="1" noChangeAspect="1"/>
+          </p:cNvSpPr>
+          <p:nvPr>
+            <p:ph type="sldImg"/>
+          </p:nvPr>
+        </p:nvSpPr>
+        <p:spPr/>
+      </p:sp>
+      <p:sp>
+        <p:nvSpPr>
+          <p:cNvPr id="3" name="备注占位符 2"/>
+          <p:cNvSpPr>
+            <a:spLocks noGrp="1"/>
+          </p:cNvSpPr>
+          <p:nvPr>
+            <p:ph type="body" idx="1"/>
+          </p:nvPr>
+        </p:nvSpPr>
+        <p:spPr/>
+        <p:txBody>
+          <a:bodyPr/>
+          <a:lstStyle/>
+          <a:p>
+            <a:r>
+              <a:rPr lang="en-US" dirty="0" smtClean="0"/>
+              <a:t>Holiday schedule?</a:t>
+            </a:r>
+            <a:endParaRPr lang="en-US" dirty="0"/>
+          </a:p>
+        </p:txBody>
+      </p:sp>
+      <p:sp>
+        <p:nvSpPr>
+          <p:cNvPr id="4" name="灯片编号占位符 3"/>
+          <p:cNvSpPr>
+            <a:spLocks noGrp="1"/>
+          </p:cNvSpPr>
+          <p:nvPr>
+            <p:ph type="sldNum" sz="quarter" idx="10"/>
+          </p:nvPr>
+        </p:nvSpPr>
+        <p:spPr/>
+        <p:txBody>
+          <a:bodyPr/>
+          <a:lstStyle/>
+          <a:p>
+            <a:fld id="{1D96A6EA-319A-4C53-B37E-EA07B05FF524}" type="slidenum">
+              <a:rPr lang="en-US" smtClean="0"/>
+              <a:t>3</a:t>
+            </a:fld>
+            <a:endParaRPr lang="en-US"/>
+          </a:p>
+        </p:txBody>
+      </p:sp>
+    </p:spTree>
+    <p:extLst>
+      <p:ext uri="{BB962C8B-B14F-4D97-AF65-F5344CB8AC3E}">
+        <p14:creationId xmlns:p14="http://schemas.microsoft.com/office/powerpoint/2010/main" val="3974835446"/>
+      </p:ext>
+    </p:extLst>
+  </p:cSld>
+  <p:clrMapOvr>
+    <a:masterClrMapping/>
+  </p:clrMapOvr>
+</p:notes>
+</file>
+
+<file path=ppt/notesSlides/notesSlide2.xml><?xml version="1.0" encoding="utf-8"?>
+<p:notes xmlns:a="http://schemas.openxmlformats.org/drawingml/2006/main" xmlns:r="http://schemas.openxmlformats.org/officeDocument/2006/relationships" xmlns:p="http://schemas.openxmlformats.org/presentationml/2006/main">
+  <p:cSld>
+    <p:spTree>
+      <p:nvGrpSpPr>
+        <p:cNvPr id="1" name=""/>
+        <p:cNvGrpSpPr/>
+        <p:nvPr/>
+      </p:nvGrpSpPr>
+      <p:grpSpPr>
+        <a:xfrm>
+          <a:off x="0" y="0"/>
+          <a:ext cx="0" cy="0"/>
+          <a:chOff x="0" y="0"/>
+          <a:chExt cx="0" cy="0"/>
+        </a:xfrm>
+      </p:grpSpPr>
+      <p:sp>
+        <p:nvSpPr>
+          <p:cNvPr id="2" name="幻灯片图像占位符 1"/>
+          <p:cNvSpPr>
+            <a:spLocks noGrp="1" noRot="1" noChangeAspect="1"/>
+          </p:cNvSpPr>
+          <p:nvPr>
+            <p:ph type="sldImg"/>
+          </p:nvPr>
+        </p:nvSpPr>
+        <p:spPr/>
+      </p:sp>
+      <p:sp>
+        <p:nvSpPr>
+          <p:cNvPr id="3" name="备注占位符 2"/>
+          <p:cNvSpPr>
+            <a:spLocks noGrp="1"/>
+          </p:cNvSpPr>
+          <p:nvPr>
+            <p:ph type="body" idx="1"/>
+          </p:nvPr>
+        </p:nvSpPr>
+        <p:spPr/>
+        <p:txBody>
+          <a:bodyPr/>
+          <a:lstStyle/>
+          <a:p>
+            <a:endParaRPr lang="en-US" dirty="0"/>
+          </a:p>
+        </p:txBody>
+      </p:sp>
+      <p:sp>
+        <p:nvSpPr>
+          <p:cNvPr id="4" name="灯片编号占位符 3"/>
+          <p:cNvSpPr>
+            <a:spLocks noGrp="1"/>
+          </p:cNvSpPr>
+          <p:nvPr>
+            <p:ph type="sldNum" sz="quarter" idx="10"/>
+          </p:nvPr>
+        </p:nvSpPr>
+        <p:spPr/>
+        <p:txBody>
+          <a:bodyPr/>
+          <a:lstStyle/>
+          <a:p>
+            <a:fld id="{1D96A6EA-319A-4C53-B37E-EA07B05FF524}" type="slidenum">
+              <a:rPr lang="en-US" smtClean="0"/>
+              <a:t>8</a:t>
+            </a:fld>
+            <a:endParaRPr lang="en-US"/>
+          </a:p>
+        </p:txBody>
+      </p:sp>
+    </p:spTree>
+    <p:extLst>
+      <p:ext uri="{BB962C8B-B14F-4D97-AF65-F5344CB8AC3E}">
+        <p14:creationId xmlns:p14="http://schemas.microsoft.com/office/powerpoint/2010/main" val="2290772198"/>
+      </p:ext>
+    </p:extLst>
+  </p:cSld>
+  <p:clrMapOvr>
+    <a:masterClrMapping/>
+  </p:clrMapOvr>
+</p:notes>
+</file>
+
 <file path=ppt/slideLayouts/slideLayout1.xml><?xml version="1.0" encoding="utf-8"?>
 <p:sldLayout xmlns:a="http://schemas.openxmlformats.org/drawingml/2006/main" xmlns:r="http://schemas.openxmlformats.org/officeDocument/2006/relationships" xmlns:p="http://schemas.openxmlformats.org/presentationml/2006/main" type="title" preserve="1">
   <p:cSld name="Title Slide">
@@ -312,7 +838,7 @@
           <a:p>
             <a:fld id="{4AAD347D-5ACD-4C99-B74B-A9C85AD731AF}" type="datetimeFigureOut">
               <a:rPr lang="en-US" dirty="0"/>
-              <a:t>09-Dec-16</a:t>
+              <a:t>12/11/2016</a:t>
             </a:fld>
             <a:endParaRPr lang="en-US" dirty="0"/>
           </a:p>
@@ -365,13 +891,13 @@
   <p:clrMapOvr>
     <a:masterClrMapping/>
   </p:clrMapOvr>
-  <mc:AlternateContent xmlns:mc="http://schemas.openxmlformats.org/markup-compatibility/2006">
-    <mc:Choice xmlns:p15="http://schemas.microsoft.com/office/powerpoint/2012/main" Requires="p15">
+  <mc:AlternateContent xmlns:mc="http://schemas.openxmlformats.org/markup-compatibility/2006" xmlns:p15="http://schemas.microsoft.com/office/powerpoint/2012/main">
+    <mc:Choice Requires="p15">
       <p:transition spd="slow">
         <p15:prstTrans prst="fallOver"/>
       </p:transition>
     </mc:Choice>
-    <mc:Fallback>
+    <mc:Fallback xmlns="">
       <p:transition spd="slow">
         <p:fade/>
       </p:transition>
@@ -594,7 +1120,7 @@
           <a:p>
             <a:fld id="{4509A250-FF31-4206-8172-F9D3106AACB1}" type="datetimeFigureOut">
               <a:rPr lang="en-US" dirty="0"/>
-              <a:t>09-Dec-16</a:t>
+              <a:t>12/11/2016</a:t>
             </a:fld>
             <a:endParaRPr lang="en-US" dirty="0"/>
           </a:p>
@@ -647,13 +1173,13 @@
   <p:clrMapOvr>
     <a:masterClrMapping/>
   </p:clrMapOvr>
-  <mc:AlternateContent xmlns:mc="http://schemas.openxmlformats.org/markup-compatibility/2006">
-    <mc:Choice xmlns:p15="http://schemas.microsoft.com/office/powerpoint/2012/main" Requires="p15">
+  <mc:AlternateContent xmlns:mc="http://schemas.openxmlformats.org/markup-compatibility/2006" xmlns:p15="http://schemas.microsoft.com/office/powerpoint/2012/main">
+    <mc:Choice Requires="p15">
       <p:transition spd="slow">
         <p15:prstTrans prst="fallOver"/>
       </p:transition>
     </mc:Choice>
-    <mc:Fallback>
+    <mc:Fallback xmlns="">
       <p:transition spd="slow">
         <p:fade/>
       </p:transition>
@@ -795,7 +1321,7 @@
           <a:p>
             <a:fld id="{4509A250-FF31-4206-8172-F9D3106AACB1}" type="datetimeFigureOut">
               <a:rPr lang="en-US" dirty="0"/>
-              <a:t>09-Dec-16</a:t>
+              <a:t>12/11/2016</a:t>
             </a:fld>
             <a:endParaRPr lang="en-US" dirty="0"/>
           </a:p>
@@ -848,13 +1374,13 @@
   <p:clrMapOvr>
     <a:masterClrMapping/>
   </p:clrMapOvr>
-  <mc:AlternateContent xmlns:mc="http://schemas.openxmlformats.org/markup-compatibility/2006">
-    <mc:Choice xmlns:p15="http://schemas.microsoft.com/office/powerpoint/2012/main" Requires="p15">
+  <mc:AlternateContent xmlns:mc="http://schemas.openxmlformats.org/markup-compatibility/2006" xmlns:p15="http://schemas.microsoft.com/office/powerpoint/2012/main">
+    <mc:Choice Requires="p15">
       <p:transition spd="slow">
         <p15:prstTrans prst="fallOver"/>
       </p:transition>
     </mc:Choice>
-    <mc:Fallback>
+    <mc:Fallback xmlns="">
       <p:transition spd="slow">
         <p:fade/>
       </p:transition>
@@ -1075,7 +1601,7 @@
           <a:p>
             <a:fld id="{4509A250-FF31-4206-8172-F9D3106AACB1}" type="datetimeFigureOut">
               <a:rPr lang="en-US" dirty="0"/>
-              <a:t>09-Dec-16</a:t>
+              <a:t>12/11/2016</a:t>
             </a:fld>
             <a:endParaRPr lang="en-US" dirty="0"/>
           </a:p>
@@ -1222,13 +1748,13 @@
   <p:clrMapOvr>
     <a:masterClrMapping/>
   </p:clrMapOvr>
-  <mc:AlternateContent xmlns:mc="http://schemas.openxmlformats.org/markup-compatibility/2006">
-    <mc:Choice xmlns:p15="http://schemas.microsoft.com/office/powerpoint/2012/main" Requires="p15">
+  <mc:AlternateContent xmlns:mc="http://schemas.openxmlformats.org/markup-compatibility/2006" xmlns:p15="http://schemas.microsoft.com/office/powerpoint/2012/main">
+    <mc:Choice Requires="p15">
       <p:transition spd="slow">
         <p15:prstTrans prst="fallOver"/>
       </p:transition>
     </mc:Choice>
-    <mc:Fallback>
+    <mc:Fallback xmlns="">
       <p:transition spd="slow">
         <p:fade/>
       </p:transition>
@@ -1423,7 +1949,7 @@
           <a:p>
             <a:fld id="{4509A250-FF31-4206-8172-F9D3106AACB1}" type="datetimeFigureOut">
               <a:rPr lang="en-US" dirty="0"/>
-              <a:t>09-Dec-16</a:t>
+              <a:t>12/11/2016</a:t>
             </a:fld>
             <a:endParaRPr lang="en-US" dirty="0"/>
           </a:p>
@@ -1476,13 +2002,13 @@
   <p:clrMapOvr>
     <a:masterClrMapping/>
   </p:clrMapOvr>
-  <mc:AlternateContent xmlns:mc="http://schemas.openxmlformats.org/markup-compatibility/2006">
-    <mc:Choice xmlns:p15="http://schemas.microsoft.com/office/powerpoint/2012/main" Requires="p15">
+  <mc:AlternateContent xmlns:mc="http://schemas.openxmlformats.org/markup-compatibility/2006" xmlns:p15="http://schemas.microsoft.com/office/powerpoint/2012/main">
+    <mc:Choice Requires="p15">
       <p:transition spd="slow">
         <p15:prstTrans prst="fallOver"/>
       </p:transition>
     </mc:Choice>
-    <mc:Fallback>
+    <mc:Fallback xmlns="">
       <p:transition spd="slow">
         <p:fade/>
       </p:transition>
@@ -2053,7 +2579,7 @@
           <a:p>
             <a:fld id="{4509A250-FF31-4206-8172-F9D3106AACB1}" type="datetimeFigureOut">
               <a:rPr lang="en-US" dirty="0"/>
-              <a:t>09-Dec-16</a:t>
+              <a:t>12/11/2016</a:t>
             </a:fld>
             <a:endParaRPr lang="en-US" dirty="0"/>
           </a:p>
@@ -2106,13 +2632,13 @@
   <p:clrMapOvr>
     <a:masterClrMapping/>
   </p:clrMapOvr>
-  <mc:AlternateContent xmlns:mc="http://schemas.openxmlformats.org/markup-compatibility/2006">
-    <mc:Choice xmlns:p15="http://schemas.microsoft.com/office/powerpoint/2012/main" Requires="p15">
+  <mc:AlternateContent xmlns:mc="http://schemas.openxmlformats.org/markup-compatibility/2006" xmlns:p15="http://schemas.microsoft.com/office/powerpoint/2012/main">
+    <mc:Choice Requires="p15">
       <p:transition spd="slow">
         <p15:prstTrans prst="fallOver"/>
       </p:transition>
     </mc:Choice>
-    <mc:Fallback>
+    <mc:Fallback xmlns="">
       <p:transition spd="slow">
         <p:fade/>
       </p:transition>
@@ -2920,7 +3446,7 @@
           <a:p>
             <a:fld id="{4509A250-FF31-4206-8172-F9D3106AACB1}" type="datetimeFigureOut">
               <a:rPr lang="en-US" dirty="0"/>
-              <a:t>09-Dec-16</a:t>
+              <a:t>12/11/2016</a:t>
             </a:fld>
             <a:endParaRPr lang="en-US" dirty="0"/>
           </a:p>
@@ -2973,13 +3499,13 @@
   <p:clrMapOvr>
     <a:masterClrMapping/>
   </p:clrMapOvr>
-  <mc:AlternateContent xmlns:mc="http://schemas.openxmlformats.org/markup-compatibility/2006">
-    <mc:Choice xmlns:p15="http://schemas.microsoft.com/office/powerpoint/2012/main" Requires="p15">
+  <mc:AlternateContent xmlns:mc="http://schemas.openxmlformats.org/markup-compatibility/2006" xmlns:p15="http://schemas.microsoft.com/office/powerpoint/2012/main">
+    <mc:Choice Requires="p15">
       <p:transition spd="slow">
         <p15:prstTrans prst="fallOver"/>
       </p:transition>
     </mc:Choice>
-    <mc:Fallback>
+    <mc:Fallback xmlns="">
       <p:transition spd="slow">
         <p:fade/>
       </p:transition>
@@ -3097,7 +3623,7 @@
           <a:p>
             <a:fld id="{4509A250-FF31-4206-8172-F9D3106AACB1}" type="datetimeFigureOut">
               <a:rPr lang="en-US" dirty="0"/>
-              <a:t>09-Dec-16</a:t>
+              <a:t>12/11/2016</a:t>
             </a:fld>
             <a:endParaRPr lang="en-US" dirty="0"/>
           </a:p>
@@ -3150,13 +3676,13 @@
   <p:clrMapOvr>
     <a:masterClrMapping/>
   </p:clrMapOvr>
-  <mc:AlternateContent xmlns:mc="http://schemas.openxmlformats.org/markup-compatibility/2006">
-    <mc:Choice xmlns:p15="http://schemas.microsoft.com/office/powerpoint/2012/main" Requires="p15">
+  <mc:AlternateContent xmlns:mc="http://schemas.openxmlformats.org/markup-compatibility/2006" xmlns:p15="http://schemas.microsoft.com/office/powerpoint/2012/main">
+    <mc:Choice Requires="p15">
       <p:transition spd="slow">
         <p15:prstTrans prst="fallOver"/>
       </p:transition>
     </mc:Choice>
-    <mc:Fallback>
+    <mc:Fallback xmlns="">
       <p:transition spd="slow">
         <p:fade/>
       </p:transition>
@@ -3284,7 +3810,7 @@
           <a:p>
             <a:fld id="{4509A250-FF31-4206-8172-F9D3106AACB1}" type="datetimeFigureOut">
               <a:rPr lang="en-US" dirty="0"/>
-              <a:t>09-Dec-16</a:t>
+              <a:t>12/11/2016</a:t>
             </a:fld>
             <a:endParaRPr lang="en-US" dirty="0"/>
           </a:p>
@@ -3337,13 +3863,13 @@
   <p:clrMapOvr>
     <a:masterClrMapping/>
   </p:clrMapOvr>
-  <mc:AlternateContent xmlns:mc="http://schemas.openxmlformats.org/markup-compatibility/2006">
-    <mc:Choice xmlns:p15="http://schemas.microsoft.com/office/powerpoint/2012/main" Requires="p15">
+  <mc:AlternateContent xmlns:mc="http://schemas.openxmlformats.org/markup-compatibility/2006" xmlns:p15="http://schemas.microsoft.com/office/powerpoint/2012/main">
+    <mc:Choice Requires="p15">
       <p:transition spd="slow">
         <p15:prstTrans prst="fallOver"/>
       </p:transition>
     </mc:Choice>
-    <mc:Fallback>
+    <mc:Fallback xmlns="">
       <p:transition spd="slow">
         <p:fade/>
       </p:transition>
@@ -3461,7 +3987,7 @@
           <a:p>
             <a:fld id="{4509A250-FF31-4206-8172-F9D3106AACB1}" type="datetimeFigureOut">
               <a:rPr lang="en-US" dirty="0"/>
-              <a:t>09-Dec-16</a:t>
+              <a:t>12/11/2016</a:t>
             </a:fld>
             <a:endParaRPr lang="en-US" dirty="0"/>
           </a:p>
@@ -3514,13 +4040,13 @@
   <p:clrMapOvr>
     <a:masterClrMapping/>
   </p:clrMapOvr>
-  <mc:AlternateContent xmlns:mc="http://schemas.openxmlformats.org/markup-compatibility/2006">
-    <mc:Choice xmlns:p15="http://schemas.microsoft.com/office/powerpoint/2012/main" Requires="p15">
+  <mc:AlternateContent xmlns:mc="http://schemas.openxmlformats.org/markup-compatibility/2006" xmlns:p15="http://schemas.microsoft.com/office/powerpoint/2012/main">
+    <mc:Choice Requires="p15">
       <p:transition spd="slow">
         <p15:prstTrans prst="fallOver"/>
       </p:transition>
     </mc:Choice>
-    <mc:Fallback>
+    <mc:Fallback xmlns="">
       <p:transition spd="slow">
         <p:fade/>
       </p:transition>
@@ -3715,7 +4241,7 @@
           <a:p>
             <a:fld id="{9796027F-7875-4030-9381-8BD8C4F21935}" type="datetimeFigureOut">
               <a:rPr lang="en-US" dirty="0"/>
-              <a:t>09-Dec-16</a:t>
+              <a:t>12/11/2016</a:t>
             </a:fld>
             <a:endParaRPr lang="en-US" dirty="0"/>
           </a:p>
@@ -3768,13 +4294,13 @@
   <p:clrMapOvr>
     <a:masterClrMapping/>
   </p:clrMapOvr>
-  <mc:AlternateContent xmlns:mc="http://schemas.openxmlformats.org/markup-compatibility/2006">
-    <mc:Choice xmlns:p15="http://schemas.microsoft.com/office/powerpoint/2012/main" Requires="p15">
+  <mc:AlternateContent xmlns:mc="http://schemas.openxmlformats.org/markup-compatibility/2006" xmlns:p15="http://schemas.microsoft.com/office/powerpoint/2012/main">
+    <mc:Choice Requires="p15">
       <p:transition spd="slow">
         <p15:prstTrans prst="fallOver"/>
       </p:transition>
     </mc:Choice>
-    <mc:Fallback>
+    <mc:Fallback xmlns="">
       <p:transition spd="slow">
         <p:fade/>
       </p:transition>
@@ -4014,7 +4540,7 @@
           <a:p>
             <a:fld id="{9796027F-7875-4030-9381-8BD8C4F21935}" type="datetimeFigureOut">
               <a:rPr lang="en-US" dirty="0"/>
-              <a:t>09-Dec-16</a:t>
+              <a:t>12/11/2016</a:t>
             </a:fld>
             <a:endParaRPr lang="en-US" dirty="0"/>
           </a:p>
@@ -4067,13 +4593,13 @@
   <p:clrMapOvr>
     <a:masterClrMapping/>
   </p:clrMapOvr>
-  <mc:AlternateContent xmlns:mc="http://schemas.openxmlformats.org/markup-compatibility/2006">
-    <mc:Choice xmlns:p15="http://schemas.microsoft.com/office/powerpoint/2012/main" Requires="p15">
+  <mc:AlternateContent xmlns:mc="http://schemas.openxmlformats.org/markup-compatibility/2006" xmlns:p15="http://schemas.microsoft.com/office/powerpoint/2012/main">
+    <mc:Choice Requires="p15">
       <p:transition spd="slow">
         <p15:prstTrans prst="fallOver"/>
       </p:transition>
     </mc:Choice>
-    <mc:Fallback>
+    <mc:Fallback xmlns="">
       <p:transition spd="slow">
         <p:fade/>
       </p:transition>
@@ -4465,7 +4991,7 @@
           <a:p>
             <a:fld id="{9796027F-7875-4030-9381-8BD8C4F21935}" type="datetimeFigureOut">
               <a:rPr lang="en-US" dirty="0"/>
-              <a:t>09-Dec-16</a:t>
+              <a:t>12/11/2016</a:t>
             </a:fld>
             <a:endParaRPr lang="en-US" dirty="0"/>
           </a:p>
@@ -4518,13 +5044,13 @@
   <p:clrMapOvr>
     <a:masterClrMapping/>
   </p:clrMapOvr>
-  <mc:AlternateContent xmlns:mc="http://schemas.openxmlformats.org/markup-compatibility/2006">
-    <mc:Choice xmlns:p15="http://schemas.microsoft.com/office/powerpoint/2012/main" Requires="p15">
+  <mc:AlternateContent xmlns:mc="http://schemas.openxmlformats.org/markup-compatibility/2006" xmlns:p15="http://schemas.microsoft.com/office/powerpoint/2012/main">
+    <mc:Choice Requires="p15">
       <p:transition spd="slow">
         <p15:prstTrans prst="fallOver"/>
       </p:transition>
     </mc:Choice>
-    <mc:Fallback>
+    <mc:Fallback xmlns="">
       <p:transition spd="slow">
         <p:fade/>
       </p:transition>
@@ -4590,7 +5116,7 @@
           <a:p>
             <a:fld id="{4509A250-FF31-4206-8172-F9D3106AACB1}" type="datetimeFigureOut">
               <a:rPr lang="en-US" dirty="0"/>
-              <a:t>09-Dec-16</a:t>
+              <a:t>12/11/2016</a:t>
             </a:fld>
             <a:endParaRPr lang="en-US" dirty="0"/>
           </a:p>
@@ -4643,13 +5169,13 @@
   <p:clrMapOvr>
     <a:masterClrMapping/>
   </p:clrMapOvr>
-  <mc:AlternateContent xmlns:mc="http://schemas.openxmlformats.org/markup-compatibility/2006">
-    <mc:Choice xmlns:p15="http://schemas.microsoft.com/office/powerpoint/2012/main" Requires="p15">
+  <mc:AlternateContent xmlns:mc="http://schemas.openxmlformats.org/markup-compatibility/2006" xmlns:p15="http://schemas.microsoft.com/office/powerpoint/2012/main">
+    <mc:Choice Requires="p15">
       <p:transition spd="slow">
         <p15:prstTrans prst="fallOver"/>
       </p:transition>
     </mc:Choice>
-    <mc:Fallback>
+    <mc:Fallback xmlns="">
       <p:transition spd="slow">
         <p:fade/>
       </p:transition>
@@ -4692,7 +5218,7 @@
           <a:p>
             <a:fld id="{4509A250-FF31-4206-8172-F9D3106AACB1}" type="datetimeFigureOut">
               <a:rPr lang="en-US" dirty="0"/>
-              <a:t>09-Dec-16</a:t>
+              <a:t>12/11/2016</a:t>
             </a:fld>
             <a:endParaRPr lang="en-US" dirty="0"/>
           </a:p>
@@ -4745,13 +5271,13 @@
   <p:clrMapOvr>
     <a:masterClrMapping/>
   </p:clrMapOvr>
-  <mc:AlternateContent xmlns:mc="http://schemas.openxmlformats.org/markup-compatibility/2006">
-    <mc:Choice xmlns:p15="http://schemas.microsoft.com/office/powerpoint/2012/main" Requires="p15">
+  <mc:AlternateContent xmlns:mc="http://schemas.openxmlformats.org/markup-compatibility/2006" xmlns:p15="http://schemas.microsoft.com/office/powerpoint/2012/main">
+    <mc:Choice Requires="p15">
       <p:transition spd="slow">
         <p15:prstTrans prst="fallOver"/>
       </p:transition>
     </mc:Choice>
-    <mc:Fallback>
+    <mc:Fallback xmlns="">
       <p:transition spd="slow">
         <p:fade/>
       </p:transition>
@@ -4978,7 +5504,7 @@
           <a:p>
             <a:fld id="{4509A250-FF31-4206-8172-F9D3106AACB1}" type="datetimeFigureOut">
               <a:rPr lang="en-US" dirty="0"/>
-              <a:t>09-Dec-16</a:t>
+              <a:t>12/11/2016</a:t>
             </a:fld>
             <a:endParaRPr lang="en-US" dirty="0"/>
           </a:p>
@@ -5031,13 +5557,13 @@
   <p:clrMapOvr>
     <a:masterClrMapping/>
   </p:clrMapOvr>
-  <mc:AlternateContent xmlns:mc="http://schemas.openxmlformats.org/markup-compatibility/2006">
-    <mc:Choice xmlns:p15="http://schemas.microsoft.com/office/powerpoint/2012/main" Requires="p15">
+  <mc:AlternateContent xmlns:mc="http://schemas.openxmlformats.org/markup-compatibility/2006" xmlns:p15="http://schemas.microsoft.com/office/powerpoint/2012/main">
+    <mc:Choice Requires="p15">
       <p:transition spd="slow">
         <p15:prstTrans prst="fallOver"/>
       </p:transition>
     </mc:Choice>
-    <mc:Fallback>
+    <mc:Fallback xmlns="">
       <p:transition spd="slow">
         <p:fade/>
       </p:transition>
@@ -5260,7 +5786,7 @@
           <a:p>
             <a:fld id="{4509A250-FF31-4206-8172-F9D3106AACB1}" type="datetimeFigureOut">
               <a:rPr lang="en-US" dirty="0"/>
-              <a:t>09-Dec-16</a:t>
+              <a:t>12/11/2016</a:t>
             </a:fld>
             <a:endParaRPr lang="en-US" dirty="0"/>
           </a:p>
@@ -5313,13 +5839,13 @@
   <p:clrMapOvr>
     <a:masterClrMapping/>
   </p:clrMapOvr>
-  <mc:AlternateContent xmlns:mc="http://schemas.openxmlformats.org/markup-compatibility/2006">
-    <mc:Choice xmlns:p15="http://schemas.microsoft.com/office/powerpoint/2012/main" Requires="p15">
+  <mc:AlternateContent xmlns:mc="http://schemas.openxmlformats.org/markup-compatibility/2006" xmlns:p15="http://schemas.microsoft.com/office/powerpoint/2012/main">
+    <mc:Choice Requires="p15">
       <p:transition spd="slow">
         <p15:prstTrans prst="fallOver"/>
       </p:transition>
     </mc:Choice>
-    <mc:Fallback>
+    <mc:Fallback xmlns="">
       <p:transition spd="slow">
         <p:fade/>
       </p:transition>
@@ -5696,7 +6222,7 @@
           <a:p>
             <a:fld id="{4AAD347D-5ACD-4C99-B74B-A9C85AD731AF}" type="datetimeFigureOut">
               <a:rPr lang="en-US" dirty="0"/>
-              <a:t>09-Dec-16</a:t>
+              <a:t>12/11/2016</a:t>
             </a:fld>
             <a:endParaRPr lang="en-US" dirty="0"/>
           </a:p>
@@ -5803,13 +6329,13 @@
     <p:sldLayoutId id="2147483658" r:id="rId16"/>
     <p:sldLayoutId id="2147483659" r:id="rId17"/>
   </p:sldLayoutIdLst>
-  <mc:AlternateContent xmlns:mc="http://schemas.openxmlformats.org/markup-compatibility/2006">
-    <mc:Choice xmlns:p15="http://schemas.microsoft.com/office/powerpoint/2012/main" Requires="p15">
+  <mc:AlternateContent xmlns:mc="http://schemas.openxmlformats.org/markup-compatibility/2006" xmlns:p15="http://schemas.microsoft.com/office/powerpoint/2012/main">
+    <mc:Choice Requires="p15">
       <p:transition spd="slow">
         <p15:prstTrans prst="fallOver"/>
       </p:transition>
     </mc:Choice>
-    <mc:Fallback>
+    <mc:Fallback xmlns="">
       <p:transition spd="slow">
         <p:fade/>
       </p:transition>
@@ -6286,13 +6812,13 @@
   <p:clrMapOvr>
     <a:masterClrMapping/>
   </p:clrMapOvr>
-  <mc:AlternateContent xmlns:mc="http://schemas.openxmlformats.org/markup-compatibility/2006">
-    <mc:Choice xmlns:p15="http://schemas.microsoft.com/office/powerpoint/2012/main" Requires="p15">
+  <mc:AlternateContent xmlns:mc="http://schemas.openxmlformats.org/markup-compatibility/2006" xmlns:p15="http://schemas.microsoft.com/office/powerpoint/2012/main">
+    <mc:Choice Requires="p15">
       <p:transition spd="slow">
         <p15:prstTrans prst="fallOver"/>
       </p:transition>
     </mc:Choice>
-    <mc:Fallback>
+    <mc:Fallback xmlns="">
       <p:transition spd="slow">
         <p:fade/>
       </p:transition>
@@ -6413,13 +6939,13 @@
   <p:clrMapOvr>
     <a:masterClrMapping/>
   </p:clrMapOvr>
-  <mc:AlternateContent xmlns:mc="http://schemas.openxmlformats.org/markup-compatibility/2006">
-    <mc:Choice xmlns:p15="http://schemas.microsoft.com/office/powerpoint/2012/main" Requires="p15">
+  <mc:AlternateContent xmlns:mc="http://schemas.openxmlformats.org/markup-compatibility/2006" xmlns:p15="http://schemas.microsoft.com/office/powerpoint/2012/main">
+    <mc:Choice Requires="p15">
       <p:transition spd="slow">
         <p15:prstTrans prst="fallOver"/>
       </p:transition>
     </mc:Choice>
-    <mc:Fallback>
+    <mc:Fallback xmlns="">
       <p:transition spd="slow">
         <p:fade/>
       </p:transition>
@@ -6539,13 +7065,13 @@
   <p:clrMapOvr>
     <a:masterClrMapping/>
   </p:clrMapOvr>
-  <mc:AlternateContent xmlns:mc="http://schemas.openxmlformats.org/markup-compatibility/2006">
-    <mc:Choice xmlns:p15="http://schemas.microsoft.com/office/powerpoint/2012/main" Requires="p15">
+  <mc:AlternateContent xmlns:mc="http://schemas.openxmlformats.org/markup-compatibility/2006" xmlns:p15="http://schemas.microsoft.com/office/powerpoint/2012/main">
+    <mc:Choice Requires="p15">
       <p:transition spd="slow">
         <p15:prstTrans prst="fallOver"/>
       </p:transition>
     </mc:Choice>
-    <mc:Fallback>
+    <mc:Fallback xmlns="">
       <p:transition spd="slow">
         <p:fade/>
       </p:transition>
@@ -6840,28 +7366,28 @@
                 <a:gridCol w="1435907">
                   <a:extLst>
                     <a:ext uri="{9D8B030D-6E8A-4147-A177-3AD203B41FA5}">
-                      <a16:colId xmlns:a16="http://schemas.microsoft.com/office/drawing/2014/main" val="3509732169"/>
+                      <a16:colId xmlns:a16="http://schemas.microsoft.com/office/drawing/2014/main" xmlns="" val="3509732169"/>
                     </a:ext>
                   </a:extLst>
                 </a:gridCol>
                 <a:gridCol w="591380">
                   <a:extLst>
                     <a:ext uri="{9D8B030D-6E8A-4147-A177-3AD203B41FA5}">
-                      <a16:colId xmlns:a16="http://schemas.microsoft.com/office/drawing/2014/main" val="3808408741"/>
+                      <a16:colId xmlns:a16="http://schemas.microsoft.com/office/drawing/2014/main" xmlns="" val="3808408741"/>
                     </a:ext>
                   </a:extLst>
                 </a:gridCol>
                 <a:gridCol w="1143329">
                   <a:extLst>
                     <a:ext uri="{9D8B030D-6E8A-4147-A177-3AD203B41FA5}">
-                      <a16:colId xmlns:a16="http://schemas.microsoft.com/office/drawing/2014/main" val="218135031"/>
+                      <a16:colId xmlns:a16="http://schemas.microsoft.com/office/drawing/2014/main" xmlns="" val="218135031"/>
                     </a:ext>
                   </a:extLst>
                 </a:gridCol>
                 <a:gridCol w="1163236">
                   <a:extLst>
                     <a:ext uri="{9D8B030D-6E8A-4147-A177-3AD203B41FA5}">
-                      <a16:colId xmlns:a16="http://schemas.microsoft.com/office/drawing/2014/main" val="832364726"/>
+                      <a16:colId xmlns:a16="http://schemas.microsoft.com/office/drawing/2014/main" xmlns="" val="832364726"/>
                     </a:ext>
                   </a:extLst>
                 </a:gridCol>
@@ -6922,7 +7448,7 @@
                 </a:tc>
                 <a:extLst>
                   <a:ext uri="{0D108BD9-81ED-4DB2-BD59-A6C34878D82A}">
-                    <a16:rowId xmlns:a16="http://schemas.microsoft.com/office/drawing/2014/main" val="989524062"/>
+                    <a16:rowId xmlns:a16="http://schemas.microsoft.com/office/drawing/2014/main" xmlns="" val="989524062"/>
                   </a:ext>
                 </a:extLst>
               </a:tr>
@@ -7003,7 +7529,7 @@
                 </a:tc>
                 <a:extLst>
                   <a:ext uri="{0D108BD9-81ED-4DB2-BD59-A6C34878D82A}">
-                    <a16:rowId xmlns:a16="http://schemas.microsoft.com/office/drawing/2014/main" val="2416788230"/>
+                    <a16:rowId xmlns:a16="http://schemas.microsoft.com/office/drawing/2014/main" xmlns="" val="2416788230"/>
                   </a:ext>
                 </a:extLst>
               </a:tr>
@@ -7102,7 +7628,7 @@
                 </a:tc>
                 <a:extLst>
                   <a:ext uri="{0D108BD9-81ED-4DB2-BD59-A6C34878D82A}">
-                    <a16:rowId xmlns:a16="http://schemas.microsoft.com/office/drawing/2014/main" val="3188396140"/>
+                    <a16:rowId xmlns:a16="http://schemas.microsoft.com/office/drawing/2014/main" xmlns="" val="3188396140"/>
                   </a:ext>
                 </a:extLst>
               </a:tr>
@@ -7201,7 +7727,7 @@
                 </a:tc>
                 <a:extLst>
                   <a:ext uri="{0D108BD9-81ED-4DB2-BD59-A6C34878D82A}">
-                    <a16:rowId xmlns:a16="http://schemas.microsoft.com/office/drawing/2014/main" val="1786465152"/>
+                    <a16:rowId xmlns:a16="http://schemas.microsoft.com/office/drawing/2014/main" xmlns="" val="1786465152"/>
                   </a:ext>
                 </a:extLst>
               </a:tr>
@@ -7237,42 +7763,42 @@
                 <a:gridCol w="653652">
                   <a:extLst>
                     <a:ext uri="{9D8B030D-6E8A-4147-A177-3AD203B41FA5}">
-                      <a16:colId xmlns:a16="http://schemas.microsoft.com/office/drawing/2014/main" val="540409401"/>
+                      <a16:colId xmlns:a16="http://schemas.microsoft.com/office/drawing/2014/main" xmlns="" val="540409401"/>
                     </a:ext>
                   </a:extLst>
                 </a:gridCol>
                 <a:gridCol w="1176151">
                   <a:extLst>
                     <a:ext uri="{9D8B030D-6E8A-4147-A177-3AD203B41FA5}">
-                      <a16:colId xmlns:a16="http://schemas.microsoft.com/office/drawing/2014/main" val="2133673482"/>
+                      <a16:colId xmlns:a16="http://schemas.microsoft.com/office/drawing/2014/main" xmlns="" val="2133673482"/>
                     </a:ext>
                   </a:extLst>
                 </a:gridCol>
                 <a:gridCol w="308186">
                   <a:extLst>
                     <a:ext uri="{9D8B030D-6E8A-4147-A177-3AD203B41FA5}">
-                      <a16:colId xmlns:a16="http://schemas.microsoft.com/office/drawing/2014/main" val="3570586601"/>
+                      <a16:colId xmlns:a16="http://schemas.microsoft.com/office/drawing/2014/main" xmlns="" val="3570586601"/>
                     </a:ext>
                   </a:extLst>
                 </a:gridCol>
                 <a:gridCol w="971550">
                   <a:extLst>
                     <a:ext uri="{9D8B030D-6E8A-4147-A177-3AD203B41FA5}">
-                      <a16:colId xmlns:a16="http://schemas.microsoft.com/office/drawing/2014/main" val="2610967575"/>
+                      <a16:colId xmlns:a16="http://schemas.microsoft.com/office/drawing/2014/main" xmlns="" val="2610967575"/>
                     </a:ext>
                   </a:extLst>
                 </a:gridCol>
                 <a:gridCol w="717452">
                   <a:extLst>
                     <a:ext uri="{9D8B030D-6E8A-4147-A177-3AD203B41FA5}">
-                      <a16:colId xmlns:a16="http://schemas.microsoft.com/office/drawing/2014/main" val="1012094504"/>
+                      <a16:colId xmlns:a16="http://schemas.microsoft.com/office/drawing/2014/main" xmlns="" val="1012094504"/>
                     </a:ext>
                   </a:extLst>
                 </a:gridCol>
                 <a:gridCol w="548640">
                   <a:extLst>
                     <a:ext uri="{9D8B030D-6E8A-4147-A177-3AD203B41FA5}">
-                      <a16:colId xmlns:a16="http://schemas.microsoft.com/office/drawing/2014/main" val="3844898092"/>
+                      <a16:colId xmlns:a16="http://schemas.microsoft.com/office/drawing/2014/main" xmlns="" val="3844898092"/>
                     </a:ext>
                   </a:extLst>
                 </a:gridCol>
@@ -7353,7 +7879,7 @@
                 </a:tc>
                 <a:extLst>
                   <a:ext uri="{0D108BD9-81ED-4DB2-BD59-A6C34878D82A}">
-                    <a16:rowId xmlns:a16="http://schemas.microsoft.com/office/drawing/2014/main" val="1788353450"/>
+                    <a16:rowId xmlns:a16="http://schemas.microsoft.com/office/drawing/2014/main" xmlns="" val="1788353450"/>
                   </a:ext>
                 </a:extLst>
               </a:tr>
@@ -7468,7 +7994,7 @@
                 </a:tc>
                 <a:extLst>
                   <a:ext uri="{0D108BD9-81ED-4DB2-BD59-A6C34878D82A}">
-                    <a16:rowId xmlns:a16="http://schemas.microsoft.com/office/drawing/2014/main" val="892409010"/>
+                    <a16:rowId xmlns:a16="http://schemas.microsoft.com/office/drawing/2014/main" xmlns="" val="892409010"/>
                   </a:ext>
                 </a:extLst>
               </a:tr>
@@ -7613,7 +8139,7 @@
                 </a:tc>
                 <a:extLst>
                   <a:ext uri="{0D108BD9-81ED-4DB2-BD59-A6C34878D82A}">
-                    <a16:rowId xmlns:a16="http://schemas.microsoft.com/office/drawing/2014/main" val="2730391147"/>
+                    <a16:rowId xmlns:a16="http://schemas.microsoft.com/office/drawing/2014/main" xmlns="" val="2730391147"/>
                   </a:ext>
                 </a:extLst>
               </a:tr>
@@ -7758,7 +8284,7 @@
                 </a:tc>
                 <a:extLst>
                   <a:ext uri="{0D108BD9-81ED-4DB2-BD59-A6C34878D82A}">
-                    <a16:rowId xmlns:a16="http://schemas.microsoft.com/office/drawing/2014/main" val="1283577628"/>
+                    <a16:rowId xmlns:a16="http://schemas.microsoft.com/office/drawing/2014/main" xmlns="" val="1283577628"/>
                   </a:ext>
                 </a:extLst>
               </a:tr>
@@ -7805,13 +8331,13 @@
   <p:clrMapOvr>
     <a:masterClrMapping/>
   </p:clrMapOvr>
-  <mc:AlternateContent xmlns:mc="http://schemas.openxmlformats.org/markup-compatibility/2006">
-    <mc:Choice xmlns:p15="http://schemas.microsoft.com/office/powerpoint/2012/main" Requires="p15">
+  <mc:AlternateContent xmlns:mc="http://schemas.openxmlformats.org/markup-compatibility/2006" xmlns:p15="http://schemas.microsoft.com/office/powerpoint/2012/main">
+    <mc:Choice Requires="p15">
       <p:transition spd="slow">
         <p15:prstTrans prst="fallOver"/>
       </p:transition>
     </mc:Choice>
-    <mc:Fallback>
+    <mc:Fallback xmlns="">
       <p:transition spd="slow">
         <p:fade/>
       </p:transition>
@@ -7939,28 +8465,28 @@
                 <a:gridCol w="1222581">
                   <a:extLst>
                     <a:ext uri="{9D8B030D-6E8A-4147-A177-3AD203B41FA5}">
-                      <a16:colId xmlns:a16="http://schemas.microsoft.com/office/drawing/2014/main" val="1101993480"/>
+                      <a16:colId xmlns:a16="http://schemas.microsoft.com/office/drawing/2014/main" xmlns="" val="1101993480"/>
                     </a:ext>
                   </a:extLst>
                 </a:gridCol>
                 <a:gridCol w="1222581">
                   <a:extLst>
                     <a:ext uri="{9D8B030D-6E8A-4147-A177-3AD203B41FA5}">
-                      <a16:colId xmlns:a16="http://schemas.microsoft.com/office/drawing/2014/main" val="538508097"/>
+                      <a16:colId xmlns:a16="http://schemas.microsoft.com/office/drawing/2014/main" xmlns="" val="538508097"/>
                     </a:ext>
                   </a:extLst>
                 </a:gridCol>
                 <a:gridCol w="937311">
                   <a:extLst>
                     <a:ext uri="{9D8B030D-6E8A-4147-A177-3AD203B41FA5}">
-                      <a16:colId xmlns:a16="http://schemas.microsoft.com/office/drawing/2014/main" val="1020525928"/>
+                      <a16:colId xmlns:a16="http://schemas.microsoft.com/office/drawing/2014/main" xmlns="" val="1020525928"/>
                     </a:ext>
                   </a:extLst>
                 </a:gridCol>
                 <a:gridCol w="937311">
                   <a:extLst>
                     <a:ext uri="{9D8B030D-6E8A-4147-A177-3AD203B41FA5}">
-                      <a16:colId xmlns:a16="http://schemas.microsoft.com/office/drawing/2014/main" val="1373300814"/>
+                      <a16:colId xmlns:a16="http://schemas.microsoft.com/office/drawing/2014/main" xmlns="" val="1373300814"/>
                     </a:ext>
                   </a:extLst>
                 </a:gridCol>
@@ -8021,7 +8547,7 @@
                 </a:tc>
                 <a:extLst>
                   <a:ext uri="{0D108BD9-81ED-4DB2-BD59-A6C34878D82A}">
-                    <a16:rowId xmlns:a16="http://schemas.microsoft.com/office/drawing/2014/main" val="3912709999"/>
+                    <a16:rowId xmlns:a16="http://schemas.microsoft.com/office/drawing/2014/main" xmlns="" val="3912709999"/>
                   </a:ext>
                 </a:extLst>
               </a:tr>
@@ -8107,7 +8633,7 @@
                 </a:tc>
                 <a:extLst>
                   <a:ext uri="{0D108BD9-81ED-4DB2-BD59-A6C34878D82A}">
-                    <a16:rowId xmlns:a16="http://schemas.microsoft.com/office/drawing/2014/main" val="3118952708"/>
+                    <a16:rowId xmlns:a16="http://schemas.microsoft.com/office/drawing/2014/main" xmlns="" val="3118952708"/>
                   </a:ext>
                 </a:extLst>
               </a:tr>
@@ -8212,7 +8738,7 @@
                 </a:tc>
                 <a:extLst>
                   <a:ext uri="{0D108BD9-81ED-4DB2-BD59-A6C34878D82A}">
-                    <a16:rowId xmlns:a16="http://schemas.microsoft.com/office/drawing/2014/main" val="2790065865"/>
+                    <a16:rowId xmlns:a16="http://schemas.microsoft.com/office/drawing/2014/main" xmlns="" val="2790065865"/>
                   </a:ext>
                 </a:extLst>
               </a:tr>
@@ -8298,7 +8824,7 @@
                 </a:tc>
                 <a:extLst>
                   <a:ext uri="{0D108BD9-81ED-4DB2-BD59-A6C34878D82A}">
-                    <a16:rowId xmlns:a16="http://schemas.microsoft.com/office/drawing/2014/main" val="1115298822"/>
+                    <a16:rowId xmlns:a16="http://schemas.microsoft.com/office/drawing/2014/main" xmlns="" val="1115298822"/>
                   </a:ext>
                 </a:extLst>
               </a:tr>
@@ -8384,7 +8910,7 @@
                 </a:tc>
                 <a:extLst>
                   <a:ext uri="{0D108BD9-81ED-4DB2-BD59-A6C34878D82A}">
-                    <a16:rowId xmlns:a16="http://schemas.microsoft.com/office/drawing/2014/main" val="852613335"/>
+                    <a16:rowId xmlns:a16="http://schemas.microsoft.com/office/drawing/2014/main" xmlns="" val="852613335"/>
                   </a:ext>
                 </a:extLst>
               </a:tr>
@@ -8489,7 +9015,7 @@
                 </a:tc>
                 <a:extLst>
                   <a:ext uri="{0D108BD9-81ED-4DB2-BD59-A6C34878D82A}">
-                    <a16:rowId xmlns:a16="http://schemas.microsoft.com/office/drawing/2014/main" val="1217051839"/>
+                    <a16:rowId xmlns:a16="http://schemas.microsoft.com/office/drawing/2014/main" xmlns="" val="1217051839"/>
                   </a:ext>
                 </a:extLst>
               </a:tr>
@@ -8575,7 +9101,7 @@
                 </a:tc>
                 <a:extLst>
                   <a:ext uri="{0D108BD9-81ED-4DB2-BD59-A6C34878D82A}">
-                    <a16:rowId xmlns:a16="http://schemas.microsoft.com/office/drawing/2014/main" val="2272715944"/>
+                    <a16:rowId xmlns:a16="http://schemas.microsoft.com/office/drawing/2014/main" xmlns="" val="2272715944"/>
                   </a:ext>
                 </a:extLst>
               </a:tr>
@@ -8661,7 +9187,7 @@
                 </a:tc>
                 <a:extLst>
                   <a:ext uri="{0D108BD9-81ED-4DB2-BD59-A6C34878D82A}">
-                    <a16:rowId xmlns:a16="http://schemas.microsoft.com/office/drawing/2014/main" val="3417498734"/>
+                    <a16:rowId xmlns:a16="http://schemas.microsoft.com/office/drawing/2014/main" xmlns="" val="3417498734"/>
                   </a:ext>
                 </a:extLst>
               </a:tr>
@@ -8730,7 +9256,7 @@
                 </a:tc>
                 <a:extLst>
                   <a:ext uri="{0D108BD9-81ED-4DB2-BD59-A6C34878D82A}">
-                    <a16:rowId xmlns:a16="http://schemas.microsoft.com/office/drawing/2014/main" val="911361184"/>
+                    <a16:rowId xmlns:a16="http://schemas.microsoft.com/office/drawing/2014/main" xmlns="" val="911361184"/>
                   </a:ext>
                 </a:extLst>
               </a:tr>
@@ -8800,13 +9326,13 @@
   <p:clrMapOvr>
     <a:masterClrMapping/>
   </p:clrMapOvr>
-  <mc:AlternateContent xmlns:mc="http://schemas.openxmlformats.org/markup-compatibility/2006">
-    <mc:Choice xmlns:p15="http://schemas.microsoft.com/office/powerpoint/2012/main" Requires="p15">
+  <mc:AlternateContent xmlns:mc="http://schemas.openxmlformats.org/markup-compatibility/2006" xmlns:p15="http://schemas.microsoft.com/office/powerpoint/2012/main">
+    <mc:Choice Requires="p15">
       <p:transition spd="slow">
         <p15:prstTrans prst="fallOver"/>
       </p:transition>
     </mc:Choice>
-    <mc:Fallback>
+    <mc:Fallback xmlns="">
       <p:transition spd="slow">
         <p:fade/>
       </p:transition>
@@ -8842,6 +9368,136 @@
             <p:ph type="title"/>
           </p:nvPr>
         </p:nvSpPr>
+        <p:spPr>
+          <a:xfrm>
+            <a:off x="670495" y="452718"/>
+            <a:ext cx="9404723" cy="1400530"/>
+          </a:xfrm>
+        </p:spPr>
+        <p:txBody>
+          <a:bodyPr/>
+          <a:lstStyle/>
+          <a:p>
+            <a:r>
+              <a:rPr lang="en-US" smtClean="0"/>
+              <a:t>Popular Bicycle Routes</a:t>
+            </a:r>
+            <a:endParaRPr lang="en-US" dirty="0"/>
+          </a:p>
+        </p:txBody>
+      </p:sp>
+      <p:pic>
+        <p:nvPicPr>
+          <p:cNvPr id="9" name="图片 8"/>
+          <p:cNvPicPr>
+            <a:picLocks noChangeAspect="1"/>
+          </p:cNvPicPr>
+          <p:nvPr/>
+        </p:nvPicPr>
+        <p:blipFill>
+          <a:blip r:embed="rId2">
+            <a:extLst>
+              <a:ext uri="{28A0092B-C50C-407E-A947-70E740481C1C}">
+                <a14:useLocalDpi xmlns:a14="http://schemas.microsoft.com/office/drawing/2010/main" val="0"/>
+              </a:ext>
+            </a:extLst>
+          </a:blip>
+          <a:stretch>
+            <a:fillRect/>
+          </a:stretch>
+        </p:blipFill>
+        <p:spPr>
+          <a:xfrm>
+            <a:off x="834212" y="1152983"/>
+            <a:ext cx="8846236" cy="5611968"/>
+          </a:xfrm>
+          <a:prstGeom prst="rect">
+            <a:avLst/>
+          </a:prstGeom>
+        </p:spPr>
+      </p:pic>
+      <p:pic>
+        <p:nvPicPr>
+          <p:cNvPr id="10" name="图片 9"/>
+          <p:cNvPicPr>
+            <a:picLocks noChangeAspect="1"/>
+          </p:cNvPicPr>
+          <p:nvPr/>
+        </p:nvPicPr>
+        <p:blipFill>
+          <a:blip r:embed="rId3">
+            <a:extLst>
+              <a:ext uri="{28A0092B-C50C-407E-A947-70E740481C1C}">
+                <a14:useLocalDpi xmlns:a14="http://schemas.microsoft.com/office/drawing/2010/main" val="0"/>
+              </a:ext>
+            </a:extLst>
+          </a:blip>
+          <a:stretch>
+            <a:fillRect/>
+          </a:stretch>
+        </p:blipFill>
+        <p:spPr>
+          <a:xfrm>
+            <a:off x="10075218" y="1853248"/>
+            <a:ext cx="1267002" cy="1543265"/>
+          </a:xfrm>
+          <a:prstGeom prst="rect">
+            <a:avLst/>
+          </a:prstGeom>
+        </p:spPr>
+      </p:pic>
+    </p:spTree>
+    <p:extLst>
+      <p:ext uri="{BB962C8B-B14F-4D97-AF65-F5344CB8AC3E}">
+        <p14:creationId xmlns:p14="http://schemas.microsoft.com/office/powerpoint/2010/main" val="2631898407"/>
+      </p:ext>
+    </p:extLst>
+  </p:cSld>
+  <p:clrMapOvr>
+    <a:masterClrMapping/>
+  </p:clrMapOvr>
+  <mc:AlternateContent xmlns:mc="http://schemas.openxmlformats.org/markup-compatibility/2006" xmlns:p15="http://schemas.microsoft.com/office/powerpoint/2012/main">
+    <mc:Choice Requires="p15">
+      <p:transition spd="slow">
+        <p15:prstTrans prst="fallOver"/>
+      </p:transition>
+    </mc:Choice>
+    <mc:Fallback xmlns="">
+      <p:transition spd="slow">
+        <p:fade/>
+      </p:transition>
+    </mc:Fallback>
+  </mc:AlternateContent>
+</p:sld>
+</file>
+
+<file path=ppt/slides/slide15.xml><?xml version="1.0" encoding="utf-8"?>
+<p:sld xmlns:a="http://schemas.openxmlformats.org/drawingml/2006/main" xmlns:r="http://schemas.openxmlformats.org/officeDocument/2006/relationships" xmlns:p="http://schemas.openxmlformats.org/presentationml/2006/main">
+  <p:cSld>
+    <p:spTree>
+      <p:nvGrpSpPr>
+        <p:cNvPr id="1" name=""/>
+        <p:cNvGrpSpPr/>
+        <p:nvPr/>
+      </p:nvGrpSpPr>
+      <p:grpSpPr>
+        <a:xfrm>
+          <a:off x="0" y="0"/>
+          <a:ext cx="0" cy="0"/>
+          <a:chOff x="0" y="0"/>
+          <a:chExt cx="0" cy="0"/>
+        </a:xfrm>
+      </p:grpSpPr>
+      <p:sp>
+        <p:nvSpPr>
+          <p:cNvPr id="2" name="Title 1"/>
+          <p:cNvSpPr>
+            <a:spLocks noGrp="1"/>
+          </p:cNvSpPr>
+          <p:nvPr>
+            <p:ph type="title"/>
+          </p:nvPr>
+        </p:nvSpPr>
         <p:spPr/>
         <p:txBody>
           <a:bodyPr/>
@@ -8962,13 +9618,13 @@
   <p:clrMapOvr>
     <a:masterClrMapping/>
   </p:clrMapOvr>
-  <mc:AlternateContent xmlns:mc="http://schemas.openxmlformats.org/markup-compatibility/2006">
-    <mc:Choice xmlns:p15="http://schemas.microsoft.com/office/powerpoint/2012/main" Requires="p15">
+  <mc:AlternateContent xmlns:mc="http://schemas.openxmlformats.org/markup-compatibility/2006" xmlns:p15="http://schemas.microsoft.com/office/powerpoint/2012/main">
+    <mc:Choice Requires="p15">
       <p:transition spd="slow">
         <p15:prstTrans prst="fallOver"/>
       </p:transition>
     </mc:Choice>
-    <mc:Fallback>
+    <mc:Fallback xmlns="">
       <p:transition spd="slow">
         <p:fade/>
       </p:transition>
@@ -8977,7 +9633,7 @@
 </p:sld>
 </file>
 
-<file path=ppt/slides/slide15.xml><?xml version="1.0" encoding="utf-8"?>
+<file path=ppt/slides/slide16.xml><?xml version="1.0" encoding="utf-8"?>
 <p:sld xmlns:a="http://schemas.openxmlformats.org/drawingml/2006/main" xmlns:r="http://schemas.openxmlformats.org/officeDocument/2006/relationships" xmlns:p="http://schemas.openxmlformats.org/presentationml/2006/main">
   <p:cSld>
     <p:spTree>
@@ -9051,77 +9707,77 @@
                 <a:gridCol w="891141">
                   <a:extLst>
                     <a:ext uri="{9D8B030D-6E8A-4147-A177-3AD203B41FA5}">
-                      <a16:colId xmlns:a16="http://schemas.microsoft.com/office/drawing/2014/main" val="1386865945"/>
+                      <a16:colId xmlns:a16="http://schemas.microsoft.com/office/drawing/2014/main" xmlns="" val="1386865945"/>
                     </a:ext>
                   </a:extLst>
                 </a:gridCol>
                 <a:gridCol w="1808513">
                   <a:extLst>
                     <a:ext uri="{9D8B030D-6E8A-4147-A177-3AD203B41FA5}">
-                      <a16:colId xmlns:a16="http://schemas.microsoft.com/office/drawing/2014/main" val="2296032986"/>
+                      <a16:colId xmlns:a16="http://schemas.microsoft.com/office/drawing/2014/main" xmlns="" val="2296032986"/>
                     </a:ext>
                   </a:extLst>
                 </a:gridCol>
                 <a:gridCol w="1038328">
                   <a:extLst>
                     <a:ext uri="{9D8B030D-6E8A-4147-A177-3AD203B41FA5}">
-                      <a16:colId xmlns:a16="http://schemas.microsoft.com/office/drawing/2014/main" val="651175439"/>
+                      <a16:colId xmlns:a16="http://schemas.microsoft.com/office/drawing/2014/main" xmlns="" val="651175439"/>
                     </a:ext>
                   </a:extLst>
                 </a:gridCol>
                 <a:gridCol w="1038328">
                   <a:extLst>
                     <a:ext uri="{9D8B030D-6E8A-4147-A177-3AD203B41FA5}">
-                      <a16:colId xmlns:a16="http://schemas.microsoft.com/office/drawing/2014/main" val="4108646056"/>
+                      <a16:colId xmlns:a16="http://schemas.microsoft.com/office/drawing/2014/main" xmlns="" val="4108646056"/>
                     </a:ext>
                   </a:extLst>
                 </a:gridCol>
                 <a:gridCol w="726588">
                   <a:extLst>
                     <a:ext uri="{9D8B030D-6E8A-4147-A177-3AD203B41FA5}">
-                      <a16:colId xmlns:a16="http://schemas.microsoft.com/office/drawing/2014/main" val="3152928735"/>
+                      <a16:colId xmlns:a16="http://schemas.microsoft.com/office/drawing/2014/main" xmlns="" val="3152928735"/>
                     </a:ext>
                   </a:extLst>
                 </a:gridCol>
                 <a:gridCol w="715617">
                   <a:extLst>
                     <a:ext uri="{9D8B030D-6E8A-4147-A177-3AD203B41FA5}">
-                      <a16:colId xmlns:a16="http://schemas.microsoft.com/office/drawing/2014/main" val="1914668535"/>
+                      <a16:colId xmlns:a16="http://schemas.microsoft.com/office/drawing/2014/main" xmlns="" val="1914668535"/>
                     </a:ext>
                   </a:extLst>
                 </a:gridCol>
                 <a:gridCol w="821635">
                   <a:extLst>
                     <a:ext uri="{9D8B030D-6E8A-4147-A177-3AD203B41FA5}">
-                      <a16:colId xmlns:a16="http://schemas.microsoft.com/office/drawing/2014/main" val="1713820726"/>
+                      <a16:colId xmlns:a16="http://schemas.microsoft.com/office/drawing/2014/main" xmlns="" val="1713820726"/>
                     </a:ext>
                   </a:extLst>
                 </a:gridCol>
                 <a:gridCol w="1007165">
                   <a:extLst>
                     <a:ext uri="{9D8B030D-6E8A-4147-A177-3AD203B41FA5}">
-                      <a16:colId xmlns:a16="http://schemas.microsoft.com/office/drawing/2014/main" val="1974906373"/>
+                      <a16:colId xmlns:a16="http://schemas.microsoft.com/office/drawing/2014/main" xmlns="" val="1974906373"/>
                     </a:ext>
                   </a:extLst>
                 </a:gridCol>
                 <a:gridCol w="1055368">
                   <a:extLst>
                     <a:ext uri="{9D8B030D-6E8A-4147-A177-3AD203B41FA5}">
-                      <a16:colId xmlns:a16="http://schemas.microsoft.com/office/drawing/2014/main" val="3218311354"/>
+                      <a16:colId xmlns:a16="http://schemas.microsoft.com/office/drawing/2014/main" xmlns="" val="3218311354"/>
                     </a:ext>
                   </a:extLst>
                 </a:gridCol>
                 <a:gridCol w="830664">
                   <a:extLst>
                     <a:ext uri="{9D8B030D-6E8A-4147-A177-3AD203B41FA5}">
-                      <a16:colId xmlns:a16="http://schemas.microsoft.com/office/drawing/2014/main" val="3699491908"/>
+                      <a16:colId xmlns:a16="http://schemas.microsoft.com/office/drawing/2014/main" xmlns="" val="3699491908"/>
                     </a:ext>
                   </a:extLst>
                 </a:gridCol>
                 <a:gridCol w="830664">
                   <a:extLst>
                     <a:ext uri="{9D8B030D-6E8A-4147-A177-3AD203B41FA5}">
-                      <a16:colId xmlns:a16="http://schemas.microsoft.com/office/drawing/2014/main" val="1932504110"/>
+                      <a16:colId xmlns:a16="http://schemas.microsoft.com/office/drawing/2014/main" xmlns="" val="1932504110"/>
                     </a:ext>
                   </a:extLst>
                 </a:gridCol>
@@ -9301,7 +9957,7 @@
                 </a:tc>
                 <a:extLst>
                   <a:ext uri="{0D108BD9-81ED-4DB2-BD59-A6C34878D82A}">
-                    <a16:rowId xmlns:a16="http://schemas.microsoft.com/office/drawing/2014/main" val="909856318"/>
+                    <a16:rowId xmlns:a16="http://schemas.microsoft.com/office/drawing/2014/main" xmlns="" val="909856318"/>
                   </a:ext>
                 </a:extLst>
               </a:tr>
@@ -9610,7 +10266,7 @@
                 </a:tc>
                 <a:extLst>
                   <a:ext uri="{0D108BD9-81ED-4DB2-BD59-A6C34878D82A}">
-                    <a16:rowId xmlns:a16="http://schemas.microsoft.com/office/drawing/2014/main" val="1599151341"/>
+                    <a16:rowId xmlns:a16="http://schemas.microsoft.com/office/drawing/2014/main" xmlns="" val="1599151341"/>
                   </a:ext>
                 </a:extLst>
               </a:tr>
@@ -10234,7 +10890,7 @@
                 </a:tc>
                 <a:extLst>
                   <a:ext uri="{0D108BD9-81ED-4DB2-BD59-A6C34878D82A}">
-                    <a16:rowId xmlns:a16="http://schemas.microsoft.com/office/drawing/2014/main" val="1725070402"/>
+                    <a16:rowId xmlns:a16="http://schemas.microsoft.com/office/drawing/2014/main" xmlns="" val="1725070402"/>
                   </a:ext>
                 </a:extLst>
               </a:tr>
@@ -10475,7 +11131,7 @@
                 </a:tc>
                 <a:extLst>
                   <a:ext uri="{0D108BD9-81ED-4DB2-BD59-A6C34878D82A}">
-                    <a16:rowId xmlns:a16="http://schemas.microsoft.com/office/drawing/2014/main" val="869533503"/>
+                    <a16:rowId xmlns:a16="http://schemas.microsoft.com/office/drawing/2014/main" xmlns="" val="869533503"/>
                   </a:ext>
                 </a:extLst>
               </a:tr>
@@ -11274,7 +11930,7 @@
                 </a:tc>
                 <a:extLst>
                   <a:ext uri="{0D108BD9-81ED-4DB2-BD59-A6C34878D82A}">
-                    <a16:rowId xmlns:a16="http://schemas.microsoft.com/office/drawing/2014/main" val="1518226979"/>
+                    <a16:rowId xmlns:a16="http://schemas.microsoft.com/office/drawing/2014/main" xmlns="" val="1518226979"/>
                   </a:ext>
                 </a:extLst>
               </a:tr>
@@ -12011,7 +12667,7 @@
                 </a:tc>
                 <a:extLst>
                   <a:ext uri="{0D108BD9-81ED-4DB2-BD59-A6C34878D82A}">
-                    <a16:rowId xmlns:a16="http://schemas.microsoft.com/office/drawing/2014/main" val="3668906533"/>
+                    <a16:rowId xmlns:a16="http://schemas.microsoft.com/office/drawing/2014/main" xmlns="" val="3668906533"/>
                   </a:ext>
                 </a:extLst>
               </a:tr>
@@ -12029,13 +12685,13 @@
   <p:clrMapOvr>
     <a:masterClrMapping/>
   </p:clrMapOvr>
-  <mc:AlternateContent xmlns:mc="http://schemas.openxmlformats.org/markup-compatibility/2006">
-    <mc:Choice xmlns:p15="http://schemas.microsoft.com/office/powerpoint/2012/main" Requires="p15">
+  <mc:AlternateContent xmlns:mc="http://schemas.openxmlformats.org/markup-compatibility/2006" xmlns:p15="http://schemas.microsoft.com/office/powerpoint/2012/main">
+    <mc:Choice Requires="p15">
       <p:transition spd="slow">
         <p15:prstTrans prst="fallOver"/>
       </p:transition>
     </mc:Choice>
-    <mc:Fallback>
+    <mc:Fallback xmlns="">
       <p:transition spd="slow">
         <p:fade/>
       </p:transition>
@@ -12151,13 +12807,13 @@
   <p:clrMapOvr>
     <a:masterClrMapping/>
   </p:clrMapOvr>
-  <mc:AlternateContent xmlns:mc="http://schemas.openxmlformats.org/markup-compatibility/2006">
-    <mc:Choice xmlns:p15="http://schemas.microsoft.com/office/powerpoint/2012/main" Requires="p15">
+  <mc:AlternateContent xmlns:mc="http://schemas.openxmlformats.org/markup-compatibility/2006" xmlns:p15="http://schemas.microsoft.com/office/powerpoint/2012/main">
+    <mc:Choice Requires="p15">
       <p:transition spd="slow">
         <p15:prstTrans prst="fallOver"/>
       </p:transition>
     </mc:Choice>
-    <mc:Fallback>
+    <mc:Fallback xmlns="">
       <p:transition spd="slow">
         <p:fade/>
       </p:transition>
@@ -12277,13 +12933,13 @@
   <p:clrMapOvr>
     <a:masterClrMapping/>
   </p:clrMapOvr>
-  <mc:AlternateContent xmlns:mc="http://schemas.openxmlformats.org/markup-compatibility/2006">
-    <mc:Choice xmlns:p15="http://schemas.microsoft.com/office/powerpoint/2012/main" Requires="p15">
+  <mc:AlternateContent xmlns:mc="http://schemas.openxmlformats.org/markup-compatibility/2006" xmlns:p15="http://schemas.microsoft.com/office/powerpoint/2012/main">
+    <mc:Choice Requires="p15">
       <p:transition spd="slow">
         <p15:prstTrans prst="fallOver"/>
       </p:transition>
     </mc:Choice>
-    <mc:Fallback>
+    <mc:Fallback xmlns="">
       <p:transition spd="slow">
         <p:fade/>
       </p:transition>
@@ -12427,13 +13083,13 @@
   <p:clrMapOvr>
     <a:masterClrMapping/>
   </p:clrMapOvr>
-  <mc:AlternateContent xmlns:mc="http://schemas.openxmlformats.org/markup-compatibility/2006">
-    <mc:Choice xmlns:p15="http://schemas.microsoft.com/office/powerpoint/2012/main" Requires="p15">
+  <mc:AlternateContent xmlns:mc="http://schemas.openxmlformats.org/markup-compatibility/2006" xmlns:p15="http://schemas.microsoft.com/office/powerpoint/2012/main">
+    <mc:Choice Requires="p15">
       <p:transition spd="slow">
         <p15:prstTrans prst="fallOver"/>
       </p:transition>
     </mc:Choice>
-    <mc:Fallback>
+    <mc:Fallback xmlns="">
       <p:transition spd="slow">
         <p:fade/>
       </p:transition>
@@ -12574,13 +13230,13 @@
   <p:clrMapOvr>
     <a:masterClrMapping/>
   </p:clrMapOvr>
-  <mc:AlternateContent xmlns:mc="http://schemas.openxmlformats.org/markup-compatibility/2006">
-    <mc:Choice xmlns:p15="http://schemas.microsoft.com/office/powerpoint/2012/main" Requires="p15">
+  <mc:AlternateContent xmlns:mc="http://schemas.openxmlformats.org/markup-compatibility/2006" xmlns:p15="http://schemas.microsoft.com/office/powerpoint/2012/main">
+    <mc:Choice Requires="p15">
       <p:transition spd="slow">
         <p15:prstTrans prst="fallOver"/>
       </p:transition>
     </mc:Choice>
-    <mc:Fallback>
+    <mc:Fallback xmlns="">
       <p:transition spd="slow">
         <p:fade/>
       </p:transition>
@@ -12721,13 +13377,13 @@
   <p:clrMapOvr>
     <a:masterClrMapping/>
   </p:clrMapOvr>
-  <mc:AlternateContent xmlns:mc="http://schemas.openxmlformats.org/markup-compatibility/2006">
-    <mc:Choice xmlns:p15="http://schemas.microsoft.com/office/powerpoint/2012/main" Requires="p15">
+  <mc:AlternateContent xmlns:mc="http://schemas.openxmlformats.org/markup-compatibility/2006" xmlns:p15="http://schemas.microsoft.com/office/powerpoint/2012/main">
+    <mc:Choice Requires="p15">
       <p:transition spd="slow">
         <p15:prstTrans prst="fallOver"/>
       </p:transition>
     </mc:Choice>
-    <mc:Fallback>
+    <mc:Fallback xmlns="">
       <p:transition spd="slow">
         <p:fade/>
       </p:transition>
@@ -12834,13 +13490,13 @@
   <p:clrMapOvr>
     <a:masterClrMapping/>
   </p:clrMapOvr>
-  <mc:AlternateContent xmlns:mc="http://schemas.openxmlformats.org/markup-compatibility/2006">
-    <mc:Choice xmlns:p15="http://schemas.microsoft.com/office/powerpoint/2012/main" Requires="p15">
+  <mc:AlternateContent xmlns:mc="http://schemas.openxmlformats.org/markup-compatibility/2006" xmlns:p15="http://schemas.microsoft.com/office/powerpoint/2012/main">
+    <mc:Choice Requires="p15">
       <p:transition spd="slow">
         <p15:prstTrans prst="fallOver"/>
       </p:transition>
     </mc:Choice>
-    <mc:Fallback>
+    <mc:Fallback xmlns="">
       <p:transition spd="slow">
         <p:fade/>
       </p:transition>
@@ -12866,6 +13522,36 @@
           <a:chExt cx="0" cy="0"/>
         </a:xfrm>
       </p:grpSpPr>
+      <p:pic>
+        <p:nvPicPr>
+          <p:cNvPr id="3" name="图片 2"/>
+          <p:cNvPicPr>
+            <a:picLocks noChangeAspect="1"/>
+          </p:cNvPicPr>
+          <p:nvPr/>
+        </p:nvPicPr>
+        <p:blipFill>
+          <a:blip r:embed="rId3">
+            <a:extLst>
+              <a:ext uri="{28A0092B-C50C-407E-A947-70E740481C1C}">
+                <a14:useLocalDpi xmlns:a14="http://schemas.microsoft.com/office/drawing/2010/main" val="0"/>
+              </a:ext>
+            </a:extLst>
+          </a:blip>
+          <a:stretch>
+            <a:fillRect/>
+          </a:stretch>
+        </p:blipFill>
+        <p:spPr>
+          <a:xfrm>
+            <a:off x="499675" y="1716192"/>
+            <a:ext cx="7341483" cy="4747011"/>
+          </a:xfrm>
+          <a:prstGeom prst="rect">
+            <a:avLst/>
+          </a:prstGeom>
+        </p:spPr>
+      </p:pic>
       <p:sp>
         <p:nvSpPr>
           <p:cNvPr id="2" name="Title 1"/>
@@ -12888,28 +13574,6 @@
           </a:p>
         </p:txBody>
       </p:sp>
-      <p:pic>
-        <p:nvPicPr>
-          <p:cNvPr id="5" name="Content Placeholder 4" descr="*Output1 [Document1] - IBM SPSS Statistics Viewer"/>
-          <p:cNvPicPr>
-            <a:picLocks noGrp="1" noChangeAspect="1"/>
-          </p:cNvPicPr>
-          <p:nvPr>
-            <p:ph idx="1"/>
-          </p:nvPr>
-        </p:nvPicPr>
-        <p:blipFill rotWithShape="1">
-          <a:blip r:embed="rId2"/>
-          <a:srcRect l="18298" t="23064" r="24994" b="11351"/>
-          <a:stretch/>
-        </p:blipFill>
-        <p:spPr>
-          <a:xfrm>
-            <a:off x="745959" y="1612232"/>
-            <a:ext cx="7277100" cy="4489160"/>
-          </a:xfrm>
-        </p:spPr>
-      </p:pic>
       <p:sp>
         <p:nvSpPr>
           <p:cNvPr id="6" name="Oval 5"/>
@@ -12918,7 +13582,7 @@
         </p:nvSpPr>
         <p:spPr>
           <a:xfrm>
-            <a:off x="5936809" y="2418348"/>
+            <a:off x="6085714" y="2491647"/>
             <a:ext cx="409074" cy="438004"/>
           </a:xfrm>
           <a:prstGeom prst="ellipse">
@@ -13000,7 +13664,7 @@
         </p:nvSpPr>
         <p:spPr>
           <a:xfrm>
-            <a:off x="4981074" y="2574758"/>
+            <a:off x="5038748" y="2659287"/>
             <a:ext cx="409074" cy="438004"/>
           </a:xfrm>
           <a:prstGeom prst="ellipse">
@@ -13041,8 +13705,8 @@
         </p:nvSpPr>
         <p:spPr>
           <a:xfrm>
-            <a:off x="5637842" y="1923069"/>
-            <a:ext cx="1007007" cy="369332"/>
+            <a:off x="6656832" y="2150699"/>
+            <a:ext cx="999483" cy="369332"/>
           </a:xfrm>
           <a:prstGeom prst="rect">
             <a:avLst/>
@@ -13050,7 +13714,7 @@
           <a:noFill/>
         </p:spPr>
         <p:txBody>
-          <a:bodyPr wrap="none" rtlCol="0">
+          <a:bodyPr wrap="square" rtlCol="0">
             <a:spAutoFit/>
           </a:bodyPr>
           <a:lstStyle/>
@@ -13070,14 +13734,14 @@
         <p:nvCxnSpPr>
           <p:cNvPr id="11" name="Straight Connector 10"/>
           <p:cNvCxnSpPr>
-            <a:stCxn id="8" idx="7"/>
+            <a:endCxn id="9" idx="1"/>
           </p:cNvCxnSpPr>
           <p:nvPr/>
         </p:nvCxnSpPr>
         <p:spPr>
           <a:xfrm flipV="1">
-            <a:off x="5330240" y="2286000"/>
-            <a:ext cx="336634" cy="352902"/>
+            <a:off x="5263667" y="2335365"/>
+            <a:ext cx="1393165" cy="520986"/>
           </a:xfrm>
           <a:prstGeom prst="line">
             <a:avLst/>
@@ -13102,15 +13766,14 @@
         <p:nvCxnSpPr>
           <p:cNvPr id="13" name="Straight Connector 12"/>
           <p:cNvCxnSpPr>
-            <a:stCxn id="9" idx="2"/>
-            <a:endCxn id="6" idx="0"/>
+            <a:stCxn id="9" idx="1"/>
           </p:cNvCxnSpPr>
           <p:nvPr/>
         </p:nvCxnSpPr>
         <p:spPr>
-          <a:xfrm>
-            <a:off x="6141346" y="2292401"/>
-            <a:ext cx="0" cy="125947"/>
+          <a:xfrm flipH="1">
+            <a:off x="6220258" y="2335365"/>
+            <a:ext cx="436574" cy="353345"/>
           </a:xfrm>
           <a:prstGeom prst="line">
             <a:avLst/>
@@ -13136,13 +13799,14 @@
           <p:cNvPr id="15" name="Straight Connector 14"/>
           <p:cNvCxnSpPr>
             <a:stCxn id="7" idx="1"/>
+            <a:endCxn id="9" idx="1"/>
           </p:cNvCxnSpPr>
           <p:nvPr/>
         </p:nvCxnSpPr>
         <p:spPr>
           <a:xfrm flipH="1" flipV="1">
-            <a:off x="6644849" y="2286000"/>
-            <a:ext cx="285810" cy="608402"/>
+            <a:off x="6656832" y="2335365"/>
+            <a:ext cx="273827" cy="559037"/>
           </a:xfrm>
           <a:prstGeom prst="line">
             <a:avLst/>
@@ -13191,21 +13855,21 @@
                 <a:gridCol w="1315819">
                   <a:extLst>
                     <a:ext uri="{9D8B030D-6E8A-4147-A177-3AD203B41FA5}">
-                      <a16:colId xmlns:a16="http://schemas.microsoft.com/office/drawing/2014/main" val="2766553638"/>
+                      <a16:colId xmlns:a16="http://schemas.microsoft.com/office/drawing/2014/main" xmlns="" val="2766553638"/>
                     </a:ext>
                   </a:extLst>
                 </a:gridCol>
                 <a:gridCol w="1072273">
                   <a:extLst>
                     <a:ext uri="{9D8B030D-6E8A-4147-A177-3AD203B41FA5}">
-                      <a16:colId xmlns:a16="http://schemas.microsoft.com/office/drawing/2014/main" val="3279693574"/>
+                      <a16:colId xmlns:a16="http://schemas.microsoft.com/office/drawing/2014/main" xmlns="" val="3279693574"/>
                     </a:ext>
                   </a:extLst>
                 </a:gridCol>
                 <a:gridCol w="1197771">
                   <a:extLst>
                     <a:ext uri="{9D8B030D-6E8A-4147-A177-3AD203B41FA5}">
-                      <a16:colId xmlns:a16="http://schemas.microsoft.com/office/drawing/2014/main" val="3770427502"/>
+                      <a16:colId xmlns:a16="http://schemas.microsoft.com/office/drawing/2014/main" xmlns="" val="3770427502"/>
                     </a:ext>
                   </a:extLst>
                 </a:gridCol>
@@ -13334,7 +13998,7 @@
                 </a:tc>
                 <a:extLst>
                   <a:ext uri="{0D108BD9-81ED-4DB2-BD59-A6C34878D82A}">
-                    <a16:rowId xmlns:a16="http://schemas.microsoft.com/office/drawing/2014/main" val="1693889973"/>
+                    <a16:rowId xmlns:a16="http://schemas.microsoft.com/office/drawing/2014/main" xmlns="" val="1693889973"/>
                   </a:ext>
                 </a:extLst>
               </a:tr>
@@ -13447,7 +14111,7 @@
                 </a:tc>
                 <a:extLst>
                   <a:ext uri="{0D108BD9-81ED-4DB2-BD59-A6C34878D82A}">
-                    <a16:rowId xmlns:a16="http://schemas.microsoft.com/office/drawing/2014/main" val="876455794"/>
+                    <a16:rowId xmlns:a16="http://schemas.microsoft.com/office/drawing/2014/main" xmlns="" val="876455794"/>
                   </a:ext>
                 </a:extLst>
               </a:tr>
@@ -13540,7 +14204,7 @@
                 </a:tc>
                 <a:extLst>
                   <a:ext uri="{0D108BD9-81ED-4DB2-BD59-A6C34878D82A}">
-                    <a16:rowId xmlns:a16="http://schemas.microsoft.com/office/drawing/2014/main" val="144662171"/>
+                    <a16:rowId xmlns:a16="http://schemas.microsoft.com/office/drawing/2014/main" xmlns="" val="144662171"/>
                   </a:ext>
                 </a:extLst>
               </a:tr>
@@ -13633,7 +14297,7 @@
                 </a:tc>
                 <a:extLst>
                   <a:ext uri="{0D108BD9-81ED-4DB2-BD59-A6C34878D82A}">
-                    <a16:rowId xmlns:a16="http://schemas.microsoft.com/office/drawing/2014/main" val="198079304"/>
+                    <a16:rowId xmlns:a16="http://schemas.microsoft.com/office/drawing/2014/main" xmlns="" val="198079304"/>
                   </a:ext>
                 </a:extLst>
               </a:tr>
@@ -13726,7 +14390,7 @@
                 </a:tc>
                 <a:extLst>
                   <a:ext uri="{0D108BD9-81ED-4DB2-BD59-A6C34878D82A}">
-                    <a16:rowId xmlns:a16="http://schemas.microsoft.com/office/drawing/2014/main" val="1961894149"/>
+                    <a16:rowId xmlns:a16="http://schemas.microsoft.com/office/drawing/2014/main" xmlns="" val="1961894149"/>
                   </a:ext>
                 </a:extLst>
               </a:tr>
@@ -13819,7 +14483,7 @@
                 </a:tc>
                 <a:extLst>
                   <a:ext uri="{0D108BD9-81ED-4DB2-BD59-A6C34878D82A}">
-                    <a16:rowId xmlns:a16="http://schemas.microsoft.com/office/drawing/2014/main" val="4027455703"/>
+                    <a16:rowId xmlns:a16="http://schemas.microsoft.com/office/drawing/2014/main" xmlns="" val="4027455703"/>
                   </a:ext>
                 </a:extLst>
               </a:tr>
@@ -13916,7 +14580,7 @@
                 </a:tc>
                 <a:extLst>
                   <a:ext uri="{0D108BD9-81ED-4DB2-BD59-A6C34878D82A}">
-                    <a16:rowId xmlns:a16="http://schemas.microsoft.com/office/drawing/2014/main" val="4109029358"/>
+                    <a16:rowId xmlns:a16="http://schemas.microsoft.com/office/drawing/2014/main" xmlns="" val="4109029358"/>
                   </a:ext>
                 </a:extLst>
               </a:tr>
@@ -13963,7 +14627,7 @@
             </a:br>
             <a:r>
               <a:rPr lang="en-US" dirty="0">
-                <a:hlinkClick r:id="rId3"/>
+                <a:hlinkClick r:id="rId4"/>
               </a:rPr>
               <a:t>http://www.nationalcherryblossomfestival.org/about/bloom-watch/</a:t>
             </a:r>
@@ -13981,13 +14645,13 @@
   <p:clrMapOvr>
     <a:masterClrMapping/>
   </p:clrMapOvr>
-  <mc:AlternateContent xmlns:mc="http://schemas.openxmlformats.org/markup-compatibility/2006">
-    <mc:Choice xmlns:p15="http://schemas.microsoft.com/office/powerpoint/2012/main" Requires="p15">
+  <mc:AlternateContent xmlns:mc="http://schemas.openxmlformats.org/markup-compatibility/2006" xmlns:p15="http://schemas.microsoft.com/office/powerpoint/2012/main">
+    <mc:Choice Requires="p15">
       <p:transition spd="slow">
         <p15:prstTrans prst="fallOver"/>
       </p:transition>
     </mc:Choice>
-    <mc:Fallback>
+    <mc:Fallback xmlns="">
       <p:transition spd="slow">
         <p:fade/>
       </p:transition>
@@ -14097,13 +14761,13 @@
   <p:clrMapOvr>
     <a:masterClrMapping/>
   </p:clrMapOvr>
-  <mc:AlternateContent xmlns:mc="http://schemas.openxmlformats.org/markup-compatibility/2006">
-    <mc:Choice xmlns:p15="http://schemas.microsoft.com/office/powerpoint/2012/main" Requires="p15">
+  <mc:AlternateContent xmlns:mc="http://schemas.openxmlformats.org/markup-compatibility/2006" xmlns:p15="http://schemas.microsoft.com/office/powerpoint/2012/main">
+    <mc:Choice Requires="p15">
       <p:transition spd="slow">
         <p15:prstTrans prst="fallOver"/>
       </p:transition>
     </mc:Choice>
-    <mc:Fallback>
+    <mc:Fallback xmlns="">
       <p:transition spd="slow">
         <p:fade/>
       </p:transition>
@@ -14376,4 +15040,265 @@
     </a:ext>
   </a:extLst>
 </a:theme>
+</file>
+
+<file path=ppt/theme/theme2.xml><?xml version="1.0" encoding="utf-8"?>
+<a:theme xmlns:a="http://schemas.openxmlformats.org/drawingml/2006/main" name="Office 主题">
+  <a:themeElements>
+    <a:clrScheme name="Office">
+      <a:dk1>
+        <a:sysClr val="windowText" lastClr="000000"/>
+      </a:dk1>
+      <a:lt1>
+        <a:sysClr val="window" lastClr="FFFFFF"/>
+      </a:lt1>
+      <a:dk2>
+        <a:srgbClr val="44546A"/>
+      </a:dk2>
+      <a:lt2>
+        <a:srgbClr val="E7E6E6"/>
+      </a:lt2>
+      <a:accent1>
+        <a:srgbClr val="5B9BD5"/>
+      </a:accent1>
+      <a:accent2>
+        <a:srgbClr val="ED7D31"/>
+      </a:accent2>
+      <a:accent3>
+        <a:srgbClr val="A5A5A5"/>
+      </a:accent3>
+      <a:accent4>
+        <a:srgbClr val="FFC000"/>
+      </a:accent4>
+      <a:accent5>
+        <a:srgbClr val="4472C4"/>
+      </a:accent5>
+      <a:accent6>
+        <a:srgbClr val="70AD47"/>
+      </a:accent6>
+      <a:hlink>
+        <a:srgbClr val="0563C1"/>
+      </a:hlink>
+      <a:folHlink>
+        <a:srgbClr val="954F72"/>
+      </a:folHlink>
+    </a:clrScheme>
+    <a:fontScheme name="Office">
+      <a:majorFont>
+        <a:latin typeface="Calibri Light" panose="020F0302020204030204"/>
+        <a:ea typeface=""/>
+        <a:cs typeface=""/>
+        <a:font script="Jpan" typeface="ＭＳ Ｐゴシック"/>
+        <a:font script="Hang" typeface="맑은 고딕"/>
+        <a:font script="Hans" typeface="宋体"/>
+        <a:font script="Hant" typeface="新細明體"/>
+        <a:font script="Arab" typeface="Times New Roman"/>
+        <a:font script="Hebr" typeface="Times New Roman"/>
+        <a:font script="Thai" typeface="Angsana New"/>
+        <a:font script="Ethi" typeface="Nyala"/>
+        <a:font script="Beng" typeface="Vrinda"/>
+        <a:font script="Gujr" typeface="Shruti"/>
+        <a:font script="Khmr" typeface="MoolBoran"/>
+        <a:font script="Knda" typeface="Tunga"/>
+        <a:font script="Guru" typeface="Raavi"/>
+        <a:font script="Cans" typeface="Euphemia"/>
+        <a:font script="Cher" typeface="Plantagenet Cherokee"/>
+        <a:font script="Yiii" typeface="Microsoft Yi Baiti"/>
+        <a:font script="Tibt" typeface="Microsoft Himalaya"/>
+        <a:font script="Thaa" typeface="MV Boli"/>
+        <a:font script="Deva" typeface="Mangal"/>
+        <a:font script="Telu" typeface="Gautami"/>
+        <a:font script="Taml" typeface="Latha"/>
+        <a:font script="Syrc" typeface="Estrangelo Edessa"/>
+        <a:font script="Orya" typeface="Kalinga"/>
+        <a:font script="Mlym" typeface="Kartika"/>
+        <a:font script="Laoo" typeface="DokChampa"/>
+        <a:font script="Sinh" typeface="Iskoola Pota"/>
+        <a:font script="Mong" typeface="Mongolian Baiti"/>
+        <a:font script="Viet" typeface="Times New Roman"/>
+        <a:font script="Uigh" typeface="Microsoft Uighur"/>
+        <a:font script="Geor" typeface="Sylfaen"/>
+      </a:majorFont>
+      <a:minorFont>
+        <a:latin typeface="Calibri" panose="020F0502020204030204"/>
+        <a:ea typeface=""/>
+        <a:cs typeface=""/>
+        <a:font script="Jpan" typeface="ＭＳ Ｐゴシック"/>
+        <a:font script="Hang" typeface="맑은 고딕"/>
+        <a:font script="Hans" typeface="宋体"/>
+        <a:font script="Hant" typeface="新細明體"/>
+        <a:font script="Arab" typeface="Arial"/>
+        <a:font script="Hebr" typeface="Arial"/>
+        <a:font script="Thai" typeface="Cordia New"/>
+        <a:font script="Ethi" typeface="Nyala"/>
+        <a:font script="Beng" typeface="Vrinda"/>
+        <a:font script="Gujr" typeface="Shruti"/>
+        <a:font script="Khmr" typeface="DaunPenh"/>
+        <a:font script="Knda" typeface="Tunga"/>
+        <a:font script="Guru" typeface="Raavi"/>
+        <a:font script="Cans" typeface="Euphemia"/>
+        <a:font script="Cher" typeface="Plantagenet Cherokee"/>
+        <a:font script="Yiii" typeface="Microsoft Yi Baiti"/>
+        <a:font script="Tibt" typeface="Microsoft Himalaya"/>
+        <a:font script="Thaa" typeface="MV Boli"/>
+        <a:font script="Deva" typeface="Mangal"/>
+        <a:font script="Telu" typeface="Gautami"/>
+        <a:font script="Taml" typeface="Latha"/>
+        <a:font script="Syrc" typeface="Estrangelo Edessa"/>
+        <a:font script="Orya" typeface="Kalinga"/>
+        <a:font script="Mlym" typeface="Kartika"/>
+        <a:font script="Laoo" typeface="DokChampa"/>
+        <a:font script="Sinh" typeface="Iskoola Pota"/>
+        <a:font script="Mong" typeface="Mongolian Baiti"/>
+        <a:font script="Viet" typeface="Arial"/>
+        <a:font script="Uigh" typeface="Microsoft Uighur"/>
+        <a:font script="Geor" typeface="Sylfaen"/>
+      </a:minorFont>
+    </a:fontScheme>
+    <a:fmtScheme name="Office">
+      <a:fillStyleLst>
+        <a:solidFill>
+          <a:schemeClr val="phClr"/>
+        </a:solidFill>
+        <a:gradFill rotWithShape="1">
+          <a:gsLst>
+            <a:gs pos="0">
+              <a:schemeClr val="phClr">
+                <a:lumMod val="110000"/>
+                <a:satMod val="105000"/>
+                <a:tint val="67000"/>
+              </a:schemeClr>
+            </a:gs>
+            <a:gs pos="50000">
+              <a:schemeClr val="phClr">
+                <a:lumMod val="105000"/>
+                <a:satMod val="103000"/>
+                <a:tint val="73000"/>
+              </a:schemeClr>
+            </a:gs>
+            <a:gs pos="100000">
+              <a:schemeClr val="phClr">
+                <a:lumMod val="105000"/>
+                <a:satMod val="109000"/>
+                <a:tint val="81000"/>
+              </a:schemeClr>
+            </a:gs>
+          </a:gsLst>
+          <a:lin ang="5400000" scaled="0"/>
+        </a:gradFill>
+        <a:gradFill rotWithShape="1">
+          <a:gsLst>
+            <a:gs pos="0">
+              <a:schemeClr val="phClr">
+                <a:satMod val="103000"/>
+                <a:lumMod val="102000"/>
+                <a:tint val="94000"/>
+              </a:schemeClr>
+            </a:gs>
+            <a:gs pos="50000">
+              <a:schemeClr val="phClr">
+                <a:satMod val="110000"/>
+                <a:lumMod val="100000"/>
+                <a:shade val="100000"/>
+              </a:schemeClr>
+            </a:gs>
+            <a:gs pos="100000">
+              <a:schemeClr val="phClr">
+                <a:lumMod val="99000"/>
+                <a:satMod val="120000"/>
+                <a:shade val="78000"/>
+              </a:schemeClr>
+            </a:gs>
+          </a:gsLst>
+          <a:lin ang="5400000" scaled="0"/>
+        </a:gradFill>
+      </a:fillStyleLst>
+      <a:lnStyleLst>
+        <a:ln w="6350" cap="flat" cmpd="sng" algn="ctr">
+          <a:solidFill>
+            <a:schemeClr val="phClr"/>
+          </a:solidFill>
+          <a:prstDash val="solid"/>
+          <a:miter lim="800000"/>
+        </a:ln>
+        <a:ln w="12700" cap="flat" cmpd="sng" algn="ctr">
+          <a:solidFill>
+            <a:schemeClr val="phClr"/>
+          </a:solidFill>
+          <a:prstDash val="solid"/>
+          <a:miter lim="800000"/>
+        </a:ln>
+        <a:ln w="19050" cap="flat" cmpd="sng" algn="ctr">
+          <a:solidFill>
+            <a:schemeClr val="phClr"/>
+          </a:solidFill>
+          <a:prstDash val="solid"/>
+          <a:miter lim="800000"/>
+        </a:ln>
+      </a:lnStyleLst>
+      <a:effectStyleLst>
+        <a:effectStyle>
+          <a:effectLst/>
+        </a:effectStyle>
+        <a:effectStyle>
+          <a:effectLst/>
+        </a:effectStyle>
+        <a:effectStyle>
+          <a:effectLst>
+            <a:outerShdw blurRad="57150" dist="19050" dir="5400000" algn="ctr" rotWithShape="0">
+              <a:srgbClr val="000000">
+                <a:alpha val="63000"/>
+              </a:srgbClr>
+            </a:outerShdw>
+          </a:effectLst>
+        </a:effectStyle>
+      </a:effectStyleLst>
+      <a:bgFillStyleLst>
+        <a:solidFill>
+          <a:schemeClr val="phClr"/>
+        </a:solidFill>
+        <a:solidFill>
+          <a:schemeClr val="phClr">
+            <a:tint val="95000"/>
+            <a:satMod val="170000"/>
+          </a:schemeClr>
+        </a:solidFill>
+        <a:gradFill rotWithShape="1">
+          <a:gsLst>
+            <a:gs pos="0">
+              <a:schemeClr val="phClr">
+                <a:tint val="93000"/>
+                <a:satMod val="150000"/>
+                <a:shade val="98000"/>
+                <a:lumMod val="102000"/>
+              </a:schemeClr>
+            </a:gs>
+            <a:gs pos="50000">
+              <a:schemeClr val="phClr">
+                <a:tint val="98000"/>
+                <a:satMod val="130000"/>
+                <a:shade val="90000"/>
+                <a:lumMod val="103000"/>
+              </a:schemeClr>
+            </a:gs>
+            <a:gs pos="100000">
+              <a:schemeClr val="phClr">
+                <a:shade val="63000"/>
+                <a:satMod val="120000"/>
+              </a:schemeClr>
+            </a:gs>
+          </a:gsLst>
+          <a:lin ang="5400000" scaled="0"/>
+        </a:gradFill>
+      </a:bgFillStyleLst>
+    </a:fmtScheme>
+  </a:themeElements>
+  <a:objectDefaults/>
+  <a:extraClrSchemeLst/>
+  <a:extLst>
+    <a:ext uri="{05A4C25C-085E-4340-85A3-A5531E510DB2}">
+      <thm15:themeFamily xmlns:thm15="http://schemas.microsoft.com/office/thememl/2012/main" name="Office Theme" id="{62F939B6-93AF-4DB8-9C6B-D6C7DFDC589F}" vid="{4A3C46E8-61CC-4603-A589-7422A47A8E4A}"/>
+    </a:ext>
+  </a:extLst>
+</a:theme>
 </file>